--- a/CalendarioAgo23/Presentaciones/8_1_ACLs.pptx
+++ b/CalendarioAgo23/Presentaciones/8_1_ACLs.pptx
@@ -10,17 +10,17 @@
   <p:sldIdLst>
     <p:sldId id="257" r:id="rId2"/>
     <p:sldId id="258" r:id="rId3"/>
-    <p:sldId id="262" r:id="rId4"/>
-    <p:sldId id="263" r:id="rId5"/>
-    <p:sldId id="264" r:id="rId6"/>
-    <p:sldId id="265" r:id="rId7"/>
-    <p:sldId id="266" r:id="rId8"/>
-    <p:sldId id="267" r:id="rId9"/>
-    <p:sldId id="268" r:id="rId10"/>
-    <p:sldId id="324" r:id="rId11"/>
-    <p:sldId id="326" r:id="rId12"/>
-    <p:sldId id="1110" r:id="rId13"/>
-    <p:sldId id="1136" r:id="rId14"/>
+    <p:sldId id="263" r:id="rId4"/>
+    <p:sldId id="264" r:id="rId5"/>
+    <p:sldId id="265" r:id="rId6"/>
+    <p:sldId id="266" r:id="rId7"/>
+    <p:sldId id="267" r:id="rId8"/>
+    <p:sldId id="268" r:id="rId9"/>
+    <p:sldId id="324" r:id="rId10"/>
+    <p:sldId id="326" r:id="rId11"/>
+    <p:sldId id="1110" r:id="rId12"/>
+    <p:sldId id="1136" r:id="rId13"/>
+    <p:sldId id="262" r:id="rId14"/>
     <p:sldId id="1111" r:id="rId15"/>
     <p:sldId id="269" r:id="rId16"/>
     <p:sldId id="325" r:id="rId17"/>
@@ -223,7 +223,7 @@
           <a:p>
             <a:fld id="{2D445F07-8756-451B-A938-0248325FC7BB}" type="datetimeFigureOut">
               <a:rPr lang="es-MX" smtClean="0"/>
-              <a:t>29/03/2023</a:t>
+              <a:t>17/09/2023</a:t>
             </a:fld>
             <a:endParaRPr lang="es-MX" dirty="0"/>
           </a:p>
@@ -609,14 +609,14 @@
           </a:bodyPr>
           <a:lstStyle/>
           <a:p>
-            <a:endParaRPr dirty="0"/>
+            <a:endParaRPr/>
           </a:p>
         </p:txBody>
       </p:sp>
     </p:spTree>
     <p:extLst>
       <p:ext uri="{BB962C8B-B14F-4D97-AF65-F5344CB8AC3E}">
-        <p14:creationId xmlns:p14="http://schemas.microsoft.com/office/powerpoint/2010/main" val="3775140461"/>
+        <p14:creationId xmlns:p14="http://schemas.microsoft.com/office/powerpoint/2010/main" val="252426500"/>
       </p:ext>
     </p:extLst>
   </p:cSld>
@@ -645,7 +645,19 @@
       </p:grpSpPr>
       <p:sp>
         <p:nvSpPr>
-          <p:cNvPr id="2" name="Notes Placeholder"/>
+          <p:cNvPr id="2" name="Slide Image Placeholder 1"/>
+          <p:cNvSpPr>
+            <a:spLocks noGrp="1" noRot="1" noChangeAspect="1"/>
+          </p:cNvSpPr>
+          <p:nvPr>
+            <p:ph type="sldImg"/>
+          </p:nvPr>
+        </p:nvSpPr>
+        <p:spPr/>
+      </p:sp>
+      <p:sp>
+        <p:nvSpPr>
+          <p:cNvPr id="3" name="Notes Placeholder 2"/>
           <p:cNvSpPr>
             <a:spLocks noGrp="1"/>
           </p:cNvSpPr>
@@ -655,11 +667,51 @@
         </p:nvSpPr>
         <p:spPr/>
         <p:txBody>
-          <a:bodyPr>
-            <a:normAutofit/>
-          </a:bodyPr>
+          <a:bodyPr/>
           <a:lstStyle/>
           <a:p>
+            <a:pPr rtl="0"/>
+            <a:r>
+              <a:rPr lang="es-419"/>
+              <a:t>5.0 - ACL para la configuración IPv4	</a:t>
+            </a:r>
+          </a:p>
+          <a:p>
+            <a:pPr rtl="0"/>
+            <a:r>
+              <a:rPr lang="es-419"/>
+              <a:t>5.4 Configuración de ACL IPv4 extendidas</a:t>
+            </a:r>
+          </a:p>
+          <a:p>
+            <a:pPr rtl="0"/>
+            <a:r>
+              <a:rPr lang="es-419"/>
+              <a:t>5.4.3 — Protocolos y puertos</a:t>
+            </a:r>
+          </a:p>
+        </p:txBody>
+      </p:sp>
+      <p:sp>
+        <p:nvSpPr>
+          <p:cNvPr id="4" name="Slide Number Placeholder 3"/>
+          <p:cNvSpPr>
+            <a:spLocks noGrp="1"/>
+          </p:cNvSpPr>
+          <p:nvPr>
+            <p:ph type="sldNum" sz="quarter" idx="5"/>
+          </p:nvPr>
+        </p:nvSpPr>
+        <p:spPr/>
+        <p:txBody>
+          <a:bodyPr/>
+          <a:lstStyle/>
+          <a:p>
+            <a:pPr rtl="0"/>
+            <a:fld id="{5641018C-6CAF-B84E-B92C-ECB119457FBA}" type="slidenum">
+              <a:rPr/>
+              <a:t>11</a:t>
+            </a:fld>
             <a:endParaRPr/>
           </a:p>
         </p:txBody>
@@ -667,7 +719,7 @@
     </p:spTree>
     <p:extLst>
       <p:ext uri="{BB962C8B-B14F-4D97-AF65-F5344CB8AC3E}">
-        <p14:creationId xmlns:p14="http://schemas.microsoft.com/office/powerpoint/2010/main" val="252426500"/>
+        <p14:creationId xmlns:p14="http://schemas.microsoft.com/office/powerpoint/2010/main" val="2393749194"/>
       </p:ext>
     </p:extLst>
   </p:cSld>
@@ -770,7 +822,7 @@
     </p:spTree>
     <p:extLst>
       <p:ext uri="{BB962C8B-B14F-4D97-AF65-F5344CB8AC3E}">
-        <p14:creationId xmlns:p14="http://schemas.microsoft.com/office/powerpoint/2010/main" val="2393749194"/>
+        <p14:creationId xmlns:p14="http://schemas.microsoft.com/office/powerpoint/2010/main" val="2639068961"/>
       </p:ext>
     </p:extLst>
   </p:cSld>
@@ -799,19 +851,7 @@
       </p:grpSpPr>
       <p:sp>
         <p:nvSpPr>
-          <p:cNvPr id="2" name="Slide Image Placeholder 1"/>
-          <p:cNvSpPr>
-            <a:spLocks noGrp="1" noRot="1" noChangeAspect="1"/>
-          </p:cNvSpPr>
-          <p:nvPr>
-            <p:ph type="sldImg"/>
-          </p:nvPr>
-        </p:nvSpPr>
-        <p:spPr/>
-      </p:sp>
-      <p:sp>
-        <p:nvSpPr>
-          <p:cNvPr id="3" name="Notes Placeholder 2"/>
+          <p:cNvPr id="2" name="Notes Placeholder"/>
           <p:cNvSpPr>
             <a:spLocks noGrp="1"/>
           </p:cNvSpPr>
@@ -821,51 +861,11 @@
         </p:nvSpPr>
         <p:spPr/>
         <p:txBody>
-          <a:bodyPr/>
+          <a:bodyPr>
+            <a:normAutofit/>
+          </a:bodyPr>
           <a:lstStyle/>
           <a:p>
-            <a:pPr rtl="0"/>
-            <a:r>
-              <a:rPr lang="es-419"/>
-              <a:t>5.0 - ACL para la configuración IPv4	</a:t>
-            </a:r>
-          </a:p>
-          <a:p>
-            <a:pPr rtl="0"/>
-            <a:r>
-              <a:rPr lang="es-419"/>
-              <a:t>5.4 Configuración de ACL IPv4 extendidas</a:t>
-            </a:r>
-          </a:p>
-          <a:p>
-            <a:pPr rtl="0"/>
-            <a:r>
-              <a:rPr lang="es-419"/>
-              <a:t>5.4.3 — Protocolos y puertos</a:t>
-            </a:r>
-          </a:p>
-        </p:txBody>
-      </p:sp>
-      <p:sp>
-        <p:nvSpPr>
-          <p:cNvPr id="4" name="Slide Number Placeholder 3"/>
-          <p:cNvSpPr>
-            <a:spLocks noGrp="1"/>
-          </p:cNvSpPr>
-          <p:nvPr>
-            <p:ph type="sldNum" sz="quarter" idx="5"/>
-          </p:nvPr>
-        </p:nvSpPr>
-        <p:spPr/>
-        <p:txBody>
-          <a:bodyPr/>
-          <a:lstStyle/>
-          <a:p>
-            <a:pPr rtl="0"/>
-            <a:fld id="{5641018C-6CAF-B84E-B92C-ECB119457FBA}" type="slidenum">
-              <a:rPr/>
-              <a:t>13</a:t>
-            </a:fld>
             <a:endParaRPr/>
           </a:p>
         </p:txBody>
@@ -873,7 +873,7 @@
     </p:spTree>
     <p:extLst>
       <p:ext uri="{BB962C8B-B14F-4D97-AF65-F5344CB8AC3E}">
-        <p14:creationId xmlns:p14="http://schemas.microsoft.com/office/powerpoint/2010/main" val="2639068961"/>
+        <p14:creationId xmlns:p14="http://schemas.microsoft.com/office/powerpoint/2010/main" val="202242846"/>
       </p:ext>
     </p:extLst>
   </p:cSld>
@@ -1649,11 +1649,16 @@
           </a:bodyPr>
           <a:lstStyle/>
           <a:p>
-            <a:endParaRPr/>
+            <a:endParaRPr dirty="0"/>
           </a:p>
         </p:txBody>
       </p:sp>
     </p:spTree>
+    <p:extLst>
+      <p:ext uri="{BB962C8B-B14F-4D97-AF65-F5344CB8AC3E}">
+        <p14:creationId xmlns:p14="http://schemas.microsoft.com/office/powerpoint/2010/main" val="3775140461"/>
+      </p:ext>
+    </p:extLst>
   </p:cSld>
   <p:clrMapOvr>
     <a:masterClrMapping/>
@@ -1842,7 +1847,7 @@
           <a:p>
             <a:fld id="{5E75A0DC-66C6-4CEC-A5EB-F8C97CEC3796}" type="datetimeFigureOut">
               <a:rPr lang="es-MX" smtClean="0"/>
-              <a:t>29/03/2023</a:t>
+              <a:t>17/09/2023</a:t>
             </a:fld>
             <a:endParaRPr lang="es-MX" dirty="0"/>
           </a:p>
@@ -2012,7 +2017,7 @@
           <a:p>
             <a:fld id="{5E75A0DC-66C6-4CEC-A5EB-F8C97CEC3796}" type="datetimeFigureOut">
               <a:rPr lang="es-MX" smtClean="0"/>
-              <a:t>29/03/2023</a:t>
+              <a:t>17/09/2023</a:t>
             </a:fld>
             <a:endParaRPr lang="es-MX" dirty="0"/>
           </a:p>
@@ -2192,7 +2197,7 @@
           <a:p>
             <a:fld id="{5E75A0DC-66C6-4CEC-A5EB-F8C97CEC3796}" type="datetimeFigureOut">
               <a:rPr lang="es-MX" smtClean="0"/>
-              <a:t>29/03/2023</a:t>
+              <a:t>17/09/2023</a:t>
             </a:fld>
             <a:endParaRPr lang="es-MX" dirty="0"/>
           </a:p>
@@ -2406,7 +2411,7 @@
         <p:fade/>
       </p:transition>
     </mc:Choice>
-    <mc:Fallback xmlns="" xmlns:c15="http://schemas.microsoft.com/office/drawing/2012/chart" xmlns:c="http://schemas.openxmlformats.org/drawingml/2006/chart">
+    <mc:Fallback xmlns:c="http://schemas.openxmlformats.org/drawingml/2006/chart" xmlns:c15="http://schemas.microsoft.com/office/drawing/2012/chart" xmlns="">
       <p:transition xmlns:p14="http://schemas.microsoft.com/office/powerpoint/2010/main" spd="med">
         <p:fade/>
       </p:transition>
@@ -2524,7 +2529,7 @@
           <a:p>
             <a:fld id="{5E75A0DC-66C6-4CEC-A5EB-F8C97CEC3796}" type="datetimeFigureOut">
               <a:rPr lang="es-MX" smtClean="0"/>
-              <a:t>29/03/2023</a:t>
+              <a:t>17/09/2023</a:t>
             </a:fld>
             <a:endParaRPr lang="es-MX" dirty="0"/>
           </a:p>
@@ -2770,7 +2775,7 @@
           <a:p>
             <a:fld id="{5E75A0DC-66C6-4CEC-A5EB-F8C97CEC3796}" type="datetimeFigureOut">
               <a:rPr lang="es-MX" smtClean="0"/>
-              <a:t>29/03/2023</a:t>
+              <a:t>17/09/2023</a:t>
             </a:fld>
             <a:endParaRPr lang="es-MX" dirty="0"/>
           </a:p>
@@ -3058,7 +3063,7 @@
           <a:p>
             <a:fld id="{5E75A0DC-66C6-4CEC-A5EB-F8C97CEC3796}" type="datetimeFigureOut">
               <a:rPr lang="es-MX" smtClean="0"/>
-              <a:t>29/03/2023</a:t>
+              <a:t>17/09/2023</a:t>
             </a:fld>
             <a:endParaRPr lang="es-MX" dirty="0"/>
           </a:p>
@@ -3480,7 +3485,7 @@
           <a:p>
             <a:fld id="{5E75A0DC-66C6-4CEC-A5EB-F8C97CEC3796}" type="datetimeFigureOut">
               <a:rPr lang="es-MX" smtClean="0"/>
-              <a:t>29/03/2023</a:t>
+              <a:t>17/09/2023</a:t>
             </a:fld>
             <a:endParaRPr lang="es-MX" dirty="0"/>
           </a:p>
@@ -3598,7 +3603,7 @@
           <a:p>
             <a:fld id="{5E75A0DC-66C6-4CEC-A5EB-F8C97CEC3796}" type="datetimeFigureOut">
               <a:rPr lang="es-MX" smtClean="0"/>
-              <a:t>29/03/2023</a:t>
+              <a:t>17/09/2023</a:t>
             </a:fld>
             <a:endParaRPr lang="es-MX" dirty="0"/>
           </a:p>
@@ -3693,7 +3698,7 @@
           <a:p>
             <a:fld id="{5E75A0DC-66C6-4CEC-A5EB-F8C97CEC3796}" type="datetimeFigureOut">
               <a:rPr lang="es-MX" smtClean="0"/>
-              <a:t>29/03/2023</a:t>
+              <a:t>17/09/2023</a:t>
             </a:fld>
             <a:endParaRPr lang="es-MX" dirty="0"/>
           </a:p>
@@ -3970,7 +3975,7 @@
           <a:p>
             <a:fld id="{5E75A0DC-66C6-4CEC-A5EB-F8C97CEC3796}" type="datetimeFigureOut">
               <a:rPr lang="es-MX" smtClean="0"/>
-              <a:t>29/03/2023</a:t>
+              <a:t>17/09/2023</a:t>
             </a:fld>
             <a:endParaRPr lang="es-MX" dirty="0"/>
           </a:p>
@@ -4223,7 +4228,7 @@
           <a:p>
             <a:fld id="{5E75A0DC-66C6-4CEC-A5EB-F8C97CEC3796}" type="datetimeFigureOut">
               <a:rPr lang="es-MX" smtClean="0"/>
-              <a:t>29/03/2023</a:t>
+              <a:t>17/09/2023</a:t>
             </a:fld>
             <a:endParaRPr lang="es-MX" dirty="0"/>
           </a:p>
@@ -4436,7 +4441,7 @@
           <a:p>
             <a:fld id="{5E75A0DC-66C6-4CEC-A5EB-F8C97CEC3796}" type="datetimeFigureOut">
               <a:rPr lang="es-MX" smtClean="0"/>
-              <a:t>29/03/2023</a:t>
+              <a:t>17/09/2023</a:t>
             </a:fld>
             <a:endParaRPr lang="es-MX" dirty="0"/>
           </a:p>
@@ -5018,322 +5023,6 @@
       </p:grpSpPr>
       <p:sp>
         <p:nvSpPr>
-          <p:cNvPr id="3" name="object 3"/>
-          <p:cNvSpPr txBox="1"/>
-          <p:nvPr/>
-        </p:nvSpPr>
-        <p:spPr>
-          <a:xfrm>
-            <a:off x="899592" y="1844824"/>
-            <a:ext cx="7704856" cy="4004301"/>
-          </a:xfrm>
-          <a:prstGeom prst="rect">
-            <a:avLst/>
-          </a:prstGeom>
-        </p:spPr>
-        <p:txBody>
-          <a:bodyPr vert="horz" wrap="square" lIns="0" tIns="0" rIns="0" bIns="0" rtlCol="0">
-            <a:spAutoFit/>
-          </a:bodyPr>
-          <a:lstStyle/>
-          <a:p>
-            <a:pPr marL="123825" marR="3810" algn="just">
-              <a:lnSpc>
-                <a:spcPct val="150000"/>
-              </a:lnSpc>
-            </a:pPr>
-            <a:r>
-              <a:rPr lang="es-ES" spc="-4" dirty="0">
-                <a:cs typeface="Arial Narrow"/>
-              </a:rPr>
-              <a:t>1. Identificar la fuente/origen (</a:t>
-            </a:r>
-            <a:r>
-              <a:rPr lang="es-ES" b="1" spc="-4" dirty="0">
-                <a:cs typeface="Arial Narrow"/>
-              </a:rPr>
-              <a:t>tráfico fuente</a:t>
-            </a:r>
-            <a:r>
-              <a:rPr lang="es-ES" spc="-4" dirty="0">
-                <a:cs typeface="Arial Narrow"/>
-              </a:rPr>
-              <a:t>)</a:t>
-            </a:r>
-          </a:p>
-          <a:p>
-            <a:pPr marL="123825" marR="3810" algn="just">
-              <a:lnSpc>
-                <a:spcPct val="150000"/>
-              </a:lnSpc>
-            </a:pPr>
-            <a:r>
-              <a:rPr lang="es-ES" spc="-4" dirty="0">
-                <a:cs typeface="Arial Narrow"/>
-              </a:rPr>
-              <a:t>2. Trazar el </a:t>
-            </a:r>
-            <a:r>
-              <a:rPr lang="es-ES" b="1" spc="-4" dirty="0">
-                <a:cs typeface="Arial Narrow"/>
-              </a:rPr>
-              <a:t>trayecto</a:t>
-            </a:r>
-            <a:r>
-              <a:rPr lang="es-ES" spc="-4" dirty="0">
-                <a:cs typeface="Arial Narrow"/>
-              </a:rPr>
-              <a:t> del </a:t>
-            </a:r>
-            <a:r>
-              <a:rPr lang="es-ES" b="1" spc="-4" dirty="0">
-                <a:cs typeface="Arial Narrow"/>
-              </a:rPr>
-              <a:t>tráfico NO permitido</a:t>
-            </a:r>
-            <a:r>
-              <a:rPr lang="es-ES" spc="-4" dirty="0">
-                <a:cs typeface="Arial Narrow"/>
-              </a:rPr>
-              <a:t>. </a:t>
-            </a:r>
-          </a:p>
-          <a:p>
-            <a:pPr marL="123825" marR="3810" algn="just">
-              <a:lnSpc>
-                <a:spcPct val="150000"/>
-              </a:lnSpc>
-            </a:pPr>
-            <a:r>
-              <a:rPr lang="es-ES" spc="-4" dirty="0">
-                <a:cs typeface="Arial Narrow"/>
-              </a:rPr>
-              <a:t>3. Trazar el </a:t>
-            </a:r>
-            <a:r>
-              <a:rPr lang="es-ES" b="1" spc="-4" dirty="0">
-                <a:cs typeface="Arial Narrow"/>
-              </a:rPr>
-              <a:t>trayecto </a:t>
-            </a:r>
-            <a:r>
-              <a:rPr lang="es-ES" spc="-4" dirty="0">
-                <a:cs typeface="Arial Narrow"/>
-              </a:rPr>
-              <a:t>del </a:t>
-            </a:r>
-            <a:r>
-              <a:rPr lang="es-ES" b="1" spc="-4" dirty="0">
-                <a:cs typeface="Arial Narrow"/>
-              </a:rPr>
-              <a:t>tráfico permitido</a:t>
-            </a:r>
-            <a:r>
-              <a:rPr lang="es-ES" spc="-4" dirty="0">
-                <a:cs typeface="Arial Narrow"/>
-              </a:rPr>
-              <a:t>. </a:t>
-            </a:r>
-          </a:p>
-          <a:p>
-            <a:pPr marL="123825" marR="3810" algn="just">
-              <a:lnSpc>
-                <a:spcPct val="150000"/>
-              </a:lnSpc>
-            </a:pPr>
-            <a:r>
-              <a:rPr lang="es-ES" spc="-4" dirty="0">
-                <a:cs typeface="Arial Narrow"/>
-              </a:rPr>
-              <a:t>4. Identificar el </a:t>
-            </a:r>
-            <a:r>
-              <a:rPr lang="es-ES" b="1" spc="-4" dirty="0" err="1">
-                <a:cs typeface="Arial Narrow"/>
-              </a:rPr>
-              <a:t>router</a:t>
-            </a:r>
-            <a:r>
-              <a:rPr lang="es-ES" spc="-4" dirty="0">
-                <a:cs typeface="Arial Narrow"/>
-              </a:rPr>
-              <a:t> donde se instalará la lista de control de acceso.</a:t>
-            </a:r>
-          </a:p>
-          <a:p>
-            <a:pPr marL="123825" marR="3810" algn="just">
-              <a:lnSpc>
-                <a:spcPct val="150000"/>
-              </a:lnSpc>
-            </a:pPr>
-            <a:r>
-              <a:rPr lang="es-ES" spc="-4" dirty="0">
-                <a:cs typeface="Arial Narrow"/>
-              </a:rPr>
-              <a:t>5. Identificar la </a:t>
-            </a:r>
-            <a:r>
-              <a:rPr lang="es-ES" b="1" spc="-4" dirty="0">
-                <a:cs typeface="Arial Narrow"/>
-              </a:rPr>
-              <a:t>interfaz</a:t>
-            </a:r>
-            <a:r>
-              <a:rPr lang="es-ES" spc="-4" dirty="0">
-                <a:cs typeface="Arial Narrow"/>
-              </a:rPr>
-              <a:t> donde se va a asociar la lista de control de acceso.</a:t>
-            </a:r>
-          </a:p>
-          <a:p>
-            <a:pPr marL="123825" marR="3810" algn="just">
-              <a:lnSpc>
-                <a:spcPct val="150000"/>
-              </a:lnSpc>
-              <a:spcAft>
-                <a:spcPts val="1200"/>
-              </a:spcAft>
-            </a:pPr>
-            <a:r>
-              <a:rPr lang="es-ES" spc="-4" dirty="0">
-                <a:cs typeface="Arial Narrow"/>
-              </a:rPr>
-              <a:t>6. Escribir la ACL, instalarla y probarla.</a:t>
-            </a:r>
-          </a:p>
-          <a:p>
-            <a:pPr marL="123825" marR="3810" algn="just">
-              <a:lnSpc>
-                <a:spcPct val="150000"/>
-              </a:lnSpc>
-              <a:spcAft>
-                <a:spcPts val="1200"/>
-              </a:spcAft>
-            </a:pPr>
-            <a:r>
-              <a:rPr lang="es-ES" b="1" spc="-4" dirty="0">
-                <a:cs typeface="Arial Narrow"/>
-              </a:rPr>
-              <a:t>NOTA: </a:t>
-            </a:r>
-            <a:r>
-              <a:rPr lang="es-ES" spc="-4" dirty="0">
-                <a:cs typeface="Arial Narrow"/>
-              </a:rPr>
-              <a:t>Realizar pruebas de conectividad antes y después de instalar una ACL</a:t>
-            </a:r>
-          </a:p>
-          <a:p>
-            <a:pPr marL="123825" marR="3810" algn="just">
-              <a:lnSpc>
-                <a:spcPct val="150000"/>
-              </a:lnSpc>
-            </a:pPr>
-            <a:r>
-              <a:rPr lang="es-ES" b="1" spc="-4" dirty="0">
-                <a:solidFill>
-                  <a:schemeClr val="accent6">
-                    <a:lumMod val="75000"/>
-                  </a:schemeClr>
-                </a:solidFill>
-                <a:cs typeface="Arial Narrow"/>
-              </a:rPr>
-              <a:t>REGLA: LAS LISTAS DE CONTROL DE ACCESO ESTÁNDAR SE DEBEN INSTALAR LO MAS CERCA DEL DESTINO.</a:t>
-            </a:r>
-          </a:p>
-        </p:txBody>
-      </p:sp>
-      <p:sp>
-        <p:nvSpPr>
-          <p:cNvPr id="8" name="object 2">
-            <a:extLst>
-              <a:ext uri="{FF2B5EF4-FFF2-40B4-BE49-F238E27FC236}">
-                <a16:creationId xmlns:a16="http://schemas.microsoft.com/office/drawing/2014/main" id="{257E321D-AB3B-4F6E-89EC-D5AD1090E97F}"/>
-              </a:ext>
-            </a:extLst>
-          </p:cNvPr>
-          <p:cNvSpPr txBox="1">
-            <a:spLocks/>
-          </p:cNvSpPr>
-          <p:nvPr/>
-        </p:nvSpPr>
-        <p:spPr>
-          <a:xfrm>
-            <a:off x="647564" y="404664"/>
-            <a:ext cx="7848872" cy="984885"/>
-          </a:xfrm>
-          <a:prstGeom prst="rect">
-            <a:avLst/>
-          </a:prstGeom>
-        </p:spPr>
-        <p:txBody>
-          <a:bodyPr vert="horz" wrap="square" lIns="0" tIns="0" rIns="0" bIns="0" rtlCol="0" anchor="ctr">
-            <a:spAutoFit/>
-          </a:bodyPr>
-          <a:lstStyle>
-            <a:lvl1pPr algn="ctr" defTabSz="914400" rtl="0" eaLnBrk="1" latinLnBrk="0" hangingPunct="1">
-              <a:spcBef>
-                <a:spcPct val="0"/>
-              </a:spcBef>
-              <a:buNone/>
-              <a:defRPr sz="2700" b="1" i="0" kern="1200">
-                <a:solidFill>
-                  <a:schemeClr val="bg1"/>
-                </a:solidFill>
-                <a:latin typeface="Arial Narrow"/>
-                <a:ea typeface="+mj-ea"/>
-                <a:cs typeface="Arial Narrow"/>
-              </a:defRPr>
-            </a:lvl1pPr>
-          </a:lstStyle>
-          <a:p>
-            <a:pPr marL="92075"/>
-            <a:r>
-              <a:rPr lang="es-MX" sz="3200" spc="-15" dirty="0">
-                <a:solidFill>
-                  <a:schemeClr val="accent4">
-                    <a:lumMod val="50000"/>
-                  </a:schemeClr>
-                </a:solidFill>
-                <a:latin typeface="Dom Casual"/>
-              </a:rPr>
-              <a:t>Mejores prácticas para el diseño de listas de control de acceso “Estándar”</a:t>
-            </a:r>
-          </a:p>
-        </p:txBody>
-      </p:sp>
-    </p:spTree>
-    <p:extLst>
-      <p:ext uri="{BB962C8B-B14F-4D97-AF65-F5344CB8AC3E}">
-        <p14:creationId xmlns:p14="http://schemas.microsoft.com/office/powerpoint/2010/main" val="3280680632"/>
-      </p:ext>
-    </p:extLst>
-  </p:cSld>
-  <p:clrMapOvr>
-    <a:masterClrMapping/>
-  </p:clrMapOvr>
-</p:sld>
-</file>
-
-<file path=ppt/slides/slide11.xml><?xml version="1.0" encoding="utf-8"?>
-<p:sld xmlns:a="http://schemas.openxmlformats.org/drawingml/2006/main" xmlns:r="http://schemas.openxmlformats.org/officeDocument/2006/relationships" xmlns:p="http://schemas.openxmlformats.org/presentationml/2006/main">
-  <p:cSld>
-    <p:spTree>
-      <p:nvGrpSpPr>
-        <p:cNvPr id="1" name=""/>
-        <p:cNvGrpSpPr/>
-        <p:nvPr/>
-      </p:nvGrpSpPr>
-      <p:grpSpPr>
-        <a:xfrm>
-          <a:off x="0" y="0"/>
-          <a:ext cx="0" cy="0"/>
-          <a:chOff x="0" y="0"/>
-          <a:chExt cx="0" cy="0"/>
-        </a:xfrm>
-      </p:grpSpPr>
-      <p:sp>
-        <p:nvSpPr>
           <p:cNvPr id="2" name="object 2"/>
           <p:cNvSpPr txBox="1"/>
           <p:nvPr/>
@@ -6598,7 +6287,7 @@
 </p:sld>
 </file>
 
-<file path=ppt/slides/slide12.xml><?xml version="1.0" encoding="utf-8"?>
+<file path=ppt/slides/slide11.xml><?xml version="1.0" encoding="utf-8"?>
 <p:sld xmlns:a="http://schemas.openxmlformats.org/drawingml/2006/main" xmlns:r="http://schemas.openxmlformats.org/officeDocument/2006/relationships" xmlns:p="http://schemas.openxmlformats.org/presentationml/2006/main">
   <p:cSld>
     <p:spTree>
@@ -6808,7 +6497,7 @@
         <p:fade/>
       </p:transition>
     </mc:Choice>
-    <mc:Fallback xmlns:c15="http://schemas.microsoft.com/office/drawing/2012/chart" xmlns:c="http://schemas.openxmlformats.org/drawingml/2006/chart" xmlns="">
+    <mc:Fallback xmlns="" xmlns:c="http://schemas.openxmlformats.org/drawingml/2006/chart" xmlns:c15="http://schemas.microsoft.com/office/drawing/2012/chart">
       <p:transition spd="med">
         <p:fade/>
       </p:transition>
@@ -6817,7 +6506,7 @@
 </p:sld>
 </file>
 
-<file path=ppt/slides/slide13.xml><?xml version="1.0" encoding="utf-8"?>
+<file path=ppt/slides/slide12.xml><?xml version="1.0" encoding="utf-8"?>
 <p:sld xmlns:a="http://schemas.openxmlformats.org/drawingml/2006/main" xmlns:r="http://schemas.openxmlformats.org/officeDocument/2006/relationships" xmlns:p="http://schemas.openxmlformats.org/presentationml/2006/main">
   <p:cSld>
     <p:spTree>
@@ -6980,12 +6669,910 @@
         <p:fade/>
       </p:transition>
     </mc:Choice>
-    <mc:Fallback xmlns:c15="http://schemas.microsoft.com/office/drawing/2012/chart" xmlns:c="http://schemas.openxmlformats.org/drawingml/2006/chart" xmlns="">
+    <mc:Fallback xmlns="" xmlns:c="http://schemas.openxmlformats.org/drawingml/2006/chart" xmlns:c15="http://schemas.microsoft.com/office/drawing/2012/chart">
       <p:transition spd="med">
         <p:fade/>
       </p:transition>
     </mc:Fallback>
   </mc:AlternateContent>
+</p:sld>
+</file>
+
+<file path=ppt/slides/slide13.xml><?xml version="1.0" encoding="utf-8"?>
+<p:sld xmlns:a="http://schemas.openxmlformats.org/drawingml/2006/main" xmlns:r="http://schemas.openxmlformats.org/officeDocument/2006/relationships" xmlns:p="http://schemas.openxmlformats.org/presentationml/2006/main">
+  <p:cSld>
+    <p:spTree>
+      <p:nvGrpSpPr>
+        <p:cNvPr id="1" name=""/>
+        <p:cNvGrpSpPr/>
+        <p:nvPr/>
+      </p:nvGrpSpPr>
+      <p:grpSpPr>
+        <a:xfrm>
+          <a:off x="0" y="0"/>
+          <a:ext cx="0" cy="0"/>
+          <a:chOff x="0" y="0"/>
+          <a:chExt cx="0" cy="0"/>
+        </a:xfrm>
+      </p:grpSpPr>
+      <p:sp>
+        <p:nvSpPr>
+          <p:cNvPr id="3" name="object 3"/>
+          <p:cNvSpPr txBox="1"/>
+          <p:nvPr/>
+        </p:nvSpPr>
+        <p:spPr>
+          <a:xfrm>
+            <a:off x="1259632" y="1628800"/>
+            <a:ext cx="6696744" cy="3945952"/>
+          </a:xfrm>
+          <a:prstGeom prst="rect">
+            <a:avLst/>
+          </a:prstGeom>
+        </p:spPr>
+        <p:txBody>
+          <a:bodyPr vert="horz" wrap="square" lIns="0" tIns="0" rIns="0" bIns="0" rtlCol="0">
+            <a:spAutoFit/>
+          </a:bodyPr>
+          <a:lstStyle/>
+          <a:p>
+            <a:pPr marL="9525" marR="3810" algn="just">
+              <a:lnSpc>
+                <a:spcPct val="150000"/>
+              </a:lnSpc>
+              <a:spcAft>
+                <a:spcPts val="1200"/>
+              </a:spcAft>
+            </a:pPr>
+            <a:r>
+              <a:rPr spc="-11" dirty="0">
+                <a:cs typeface="Arial Narrow"/>
+              </a:rPr>
+              <a:t>Los  </a:t>
+            </a:r>
+            <a:r>
+              <a:rPr spc="169" dirty="0">
+                <a:cs typeface="Arial Narrow"/>
+              </a:rPr>
+              <a:t> </a:t>
+            </a:r>
+            <a:r>
+              <a:rPr spc="-11" dirty="0">
+                <a:cs typeface="Arial Narrow"/>
+              </a:rPr>
+              <a:t>pr</a:t>
+            </a:r>
+            <a:r>
+              <a:rPr spc="-19" dirty="0">
+                <a:cs typeface="Arial Narrow"/>
+              </a:rPr>
+              <a:t>o</a:t>
+            </a:r>
+            <a:r>
+              <a:rPr spc="-11" dirty="0">
+                <a:cs typeface="Arial Narrow"/>
+              </a:rPr>
+              <a:t>g</a:t>
+            </a:r>
+            <a:r>
+              <a:rPr spc="-19" dirty="0">
+                <a:cs typeface="Arial Narrow"/>
+              </a:rPr>
+              <a:t>rama</a:t>
+            </a:r>
+            <a:r>
+              <a:rPr spc="-11" dirty="0">
+                <a:cs typeface="Arial Narrow"/>
+              </a:rPr>
+              <a:t>s</a:t>
+            </a:r>
+            <a:r>
+              <a:rPr dirty="0">
+                <a:cs typeface="Arial Narrow"/>
+              </a:rPr>
+              <a:t>  </a:t>
+            </a:r>
+            <a:r>
+              <a:rPr spc="169" dirty="0">
+                <a:cs typeface="Arial Narrow"/>
+              </a:rPr>
+              <a:t> </a:t>
+            </a:r>
+            <a:r>
+              <a:rPr spc="-11" dirty="0">
+                <a:cs typeface="Arial Narrow"/>
+              </a:rPr>
+              <a:t>de</a:t>
+            </a:r>
+            <a:r>
+              <a:rPr dirty="0">
+                <a:cs typeface="Arial Narrow"/>
+              </a:rPr>
+              <a:t>  </a:t>
+            </a:r>
+            <a:r>
+              <a:rPr spc="169" dirty="0">
+                <a:cs typeface="Arial Narrow"/>
+              </a:rPr>
+              <a:t> </a:t>
+            </a:r>
+            <a:r>
+              <a:rPr spc="-15" dirty="0">
+                <a:cs typeface="Arial Narrow"/>
+              </a:rPr>
+              <a:t>aplic</a:t>
+            </a:r>
+            <a:r>
+              <a:rPr spc="-19" dirty="0">
+                <a:cs typeface="Arial Narrow"/>
+              </a:rPr>
+              <a:t>a</a:t>
+            </a:r>
+            <a:r>
+              <a:rPr spc="-15" dirty="0">
+                <a:cs typeface="Arial Narrow"/>
+              </a:rPr>
+              <a:t>ció</a:t>
+            </a:r>
+            <a:r>
+              <a:rPr spc="-11" dirty="0">
+                <a:cs typeface="Arial Narrow"/>
+              </a:rPr>
+              <a:t>n</a:t>
+            </a:r>
+            <a:r>
+              <a:rPr dirty="0">
+                <a:cs typeface="Arial Narrow"/>
+              </a:rPr>
+              <a:t>  </a:t>
+            </a:r>
+            <a:r>
+              <a:rPr spc="165" dirty="0">
+                <a:cs typeface="Arial Narrow"/>
+              </a:rPr>
+              <a:t> </a:t>
+            </a:r>
+            <a:r>
+              <a:rPr spc="-11" dirty="0">
+                <a:cs typeface="Arial Narrow"/>
+              </a:rPr>
+              <a:t>que</a:t>
+            </a:r>
+            <a:r>
+              <a:rPr dirty="0">
+                <a:cs typeface="Arial Narrow"/>
+              </a:rPr>
+              <a:t>  </a:t>
+            </a:r>
+            <a:r>
+              <a:rPr spc="161" dirty="0">
+                <a:cs typeface="Arial Narrow"/>
+              </a:rPr>
+              <a:t> </a:t>
+            </a:r>
+            <a:r>
+              <a:rPr spc="-8" dirty="0">
+                <a:cs typeface="Arial Narrow"/>
+              </a:rPr>
+              <a:t>utiliz</a:t>
+            </a:r>
+            <a:r>
+              <a:rPr spc="-15" dirty="0">
+                <a:cs typeface="Arial Narrow"/>
+              </a:rPr>
+              <a:t>a</a:t>
+            </a:r>
+            <a:r>
+              <a:rPr spc="-11" dirty="0">
+                <a:cs typeface="Arial Narrow"/>
+              </a:rPr>
+              <a:t>n</a:t>
+            </a:r>
+            <a:r>
+              <a:rPr dirty="0">
+                <a:cs typeface="Arial Narrow"/>
+              </a:rPr>
+              <a:t>  </a:t>
+            </a:r>
+            <a:r>
+              <a:rPr spc="165" dirty="0">
+                <a:cs typeface="Arial Narrow"/>
+              </a:rPr>
+              <a:t> </a:t>
+            </a:r>
+            <a:r>
+              <a:rPr spc="-11" dirty="0">
+                <a:cs typeface="Arial Narrow"/>
+              </a:rPr>
+              <a:t>los</a:t>
+            </a:r>
+            <a:r>
+              <a:rPr spc="-8" dirty="0">
+                <a:cs typeface="Arial Narrow"/>
+              </a:rPr>
+              <a:t> </a:t>
+            </a:r>
+            <a:r>
+              <a:rPr spc="-15" dirty="0">
+                <a:cs typeface="Arial Narrow"/>
+              </a:rPr>
+              <a:t>se</a:t>
+            </a:r>
+            <a:r>
+              <a:rPr spc="-19" dirty="0">
+                <a:cs typeface="Arial Narrow"/>
+              </a:rPr>
+              <a:t>r</a:t>
+            </a:r>
+            <a:r>
+              <a:rPr spc="-11" dirty="0">
+                <a:cs typeface="Arial Narrow"/>
+              </a:rPr>
+              <a:t>vi</a:t>
+            </a:r>
+            <a:r>
+              <a:rPr spc="-23" dirty="0">
+                <a:cs typeface="Arial Narrow"/>
+              </a:rPr>
+              <a:t>c</a:t>
+            </a:r>
+            <a:r>
+              <a:rPr spc="-11" dirty="0">
+                <a:cs typeface="Arial Narrow"/>
+              </a:rPr>
+              <a:t>ios</a:t>
+            </a:r>
+            <a:r>
+              <a:rPr dirty="0">
+                <a:cs typeface="Arial Narrow"/>
+              </a:rPr>
+              <a:t> </a:t>
+            </a:r>
+            <a:r>
+              <a:rPr spc="229" dirty="0">
+                <a:cs typeface="Arial Narrow"/>
+              </a:rPr>
+              <a:t> </a:t>
+            </a:r>
+            <a:r>
+              <a:rPr spc="-11" dirty="0">
+                <a:cs typeface="Arial Narrow"/>
+              </a:rPr>
+              <a:t>del</a:t>
+            </a:r>
+            <a:r>
+              <a:rPr dirty="0">
+                <a:cs typeface="Arial Narrow"/>
+              </a:rPr>
+              <a:t> </a:t>
+            </a:r>
+            <a:r>
+              <a:rPr spc="217" dirty="0">
+                <a:cs typeface="Arial Narrow"/>
+              </a:rPr>
+              <a:t> </a:t>
+            </a:r>
+            <a:r>
+              <a:rPr spc="-11" dirty="0">
+                <a:cs typeface="Arial Narrow"/>
+              </a:rPr>
+              <a:t>proto</a:t>
+            </a:r>
+            <a:r>
+              <a:rPr spc="-23" dirty="0">
+                <a:cs typeface="Arial Narrow"/>
+              </a:rPr>
+              <a:t>c</a:t>
+            </a:r>
+            <a:r>
+              <a:rPr spc="-11" dirty="0">
+                <a:cs typeface="Arial Narrow"/>
+              </a:rPr>
+              <a:t>olo</a:t>
+            </a:r>
+            <a:r>
+              <a:rPr dirty="0">
+                <a:cs typeface="Arial Narrow"/>
+              </a:rPr>
+              <a:t> </a:t>
+            </a:r>
+            <a:r>
+              <a:rPr spc="221" dirty="0">
+                <a:cs typeface="Arial Narrow"/>
+              </a:rPr>
+              <a:t> </a:t>
+            </a:r>
+            <a:r>
+              <a:rPr spc="-11" dirty="0">
+                <a:solidFill>
+                  <a:srgbClr val="006FC0"/>
+                </a:solidFill>
+                <a:cs typeface="Arial Narrow"/>
+              </a:rPr>
+              <a:t>TCP/IP</a:t>
+            </a:r>
+            <a:r>
+              <a:rPr dirty="0">
+                <a:solidFill>
+                  <a:srgbClr val="006FC0"/>
+                </a:solidFill>
+                <a:cs typeface="Arial Narrow"/>
+              </a:rPr>
+              <a:t> </a:t>
+            </a:r>
+            <a:r>
+              <a:rPr spc="191" dirty="0">
+                <a:solidFill>
+                  <a:srgbClr val="006FC0"/>
+                </a:solidFill>
+                <a:cs typeface="Arial Narrow"/>
+              </a:rPr>
+              <a:t> </a:t>
+            </a:r>
+            <a:r>
+              <a:rPr spc="-11" dirty="0">
+                <a:cs typeface="Arial Narrow"/>
+              </a:rPr>
+              <a:t>necesitan</a:t>
+            </a:r>
+            <a:r>
+              <a:rPr dirty="0">
+                <a:cs typeface="Arial Narrow"/>
+              </a:rPr>
+              <a:t> </a:t>
+            </a:r>
+            <a:r>
+              <a:rPr spc="217" dirty="0">
+                <a:cs typeface="Arial Narrow"/>
+              </a:rPr>
+              <a:t> </a:t>
+            </a:r>
+            <a:r>
+              <a:rPr spc="-11" dirty="0">
+                <a:cs typeface="Arial Narrow"/>
+              </a:rPr>
+              <a:t>de</a:t>
+            </a:r>
+            <a:r>
+              <a:rPr dirty="0">
+                <a:cs typeface="Arial Narrow"/>
+              </a:rPr>
+              <a:t> </a:t>
+            </a:r>
+            <a:r>
+              <a:rPr spc="217" dirty="0">
+                <a:cs typeface="Arial Narrow"/>
+              </a:rPr>
+              <a:t> </a:t>
+            </a:r>
+            <a:r>
+              <a:rPr spc="-11" dirty="0">
+                <a:cs typeface="Arial Narrow"/>
+              </a:rPr>
+              <a:t>una</a:t>
+            </a:r>
+            <a:r>
+              <a:rPr spc="-8" dirty="0">
+                <a:cs typeface="Arial Narrow"/>
+              </a:rPr>
+              <a:t> identi</a:t>
+            </a:r>
+            <a:r>
+              <a:rPr spc="-4" dirty="0">
+                <a:cs typeface="Arial Narrow"/>
+              </a:rPr>
+              <a:t>f</a:t>
+            </a:r>
+            <a:r>
+              <a:rPr spc="-11" dirty="0">
+                <a:cs typeface="Arial Narrow"/>
+              </a:rPr>
+              <a:t>ica</a:t>
+            </a:r>
+            <a:r>
+              <a:rPr spc="-23" dirty="0">
+                <a:cs typeface="Arial Narrow"/>
+              </a:rPr>
+              <a:t>c</a:t>
+            </a:r>
+            <a:r>
+              <a:rPr spc="-11" dirty="0">
+                <a:cs typeface="Arial Narrow"/>
+              </a:rPr>
+              <a:t>ión</a:t>
+            </a:r>
+            <a:r>
+              <a:rPr dirty="0">
+                <a:cs typeface="Arial Narrow"/>
+              </a:rPr>
+              <a:t> </a:t>
+            </a:r>
+            <a:r>
+              <a:rPr spc="-116" dirty="0">
+                <a:cs typeface="Arial Narrow"/>
+              </a:rPr>
+              <a:t> </a:t>
+            </a:r>
+            <a:r>
+              <a:rPr spc="-11" dirty="0">
+                <a:cs typeface="Arial Narrow"/>
+              </a:rPr>
+              <a:t>lógica</a:t>
+            </a:r>
+            <a:r>
+              <a:rPr dirty="0">
+                <a:cs typeface="Arial Narrow"/>
+              </a:rPr>
+              <a:t> </a:t>
+            </a:r>
+            <a:r>
+              <a:rPr spc="-124" dirty="0">
+                <a:cs typeface="Arial Narrow"/>
+              </a:rPr>
+              <a:t> </a:t>
+            </a:r>
+            <a:r>
+              <a:rPr spc="-11" dirty="0">
+                <a:cs typeface="Arial Narrow"/>
+              </a:rPr>
+              <a:t>para</a:t>
+            </a:r>
+            <a:r>
+              <a:rPr dirty="0">
+                <a:cs typeface="Arial Narrow"/>
+              </a:rPr>
+              <a:t> </a:t>
+            </a:r>
+            <a:r>
+              <a:rPr spc="-127" dirty="0">
+                <a:cs typeface="Arial Narrow"/>
+              </a:rPr>
+              <a:t> </a:t>
+            </a:r>
+            <a:r>
+              <a:rPr spc="-11" dirty="0">
+                <a:cs typeface="Arial Narrow"/>
+              </a:rPr>
+              <a:t>po</a:t>
+            </a:r>
+            <a:r>
+              <a:rPr spc="-8" dirty="0">
+                <a:cs typeface="Arial Narrow"/>
+              </a:rPr>
+              <a:t>d</a:t>
+            </a:r>
+            <a:r>
+              <a:rPr spc="-15" dirty="0">
+                <a:cs typeface="Arial Narrow"/>
+              </a:rPr>
+              <a:t>e</a:t>
+            </a:r>
+            <a:r>
+              <a:rPr spc="-8" dirty="0">
+                <a:cs typeface="Arial Narrow"/>
+              </a:rPr>
+              <a:t>r</a:t>
+            </a:r>
+            <a:r>
+              <a:rPr dirty="0">
+                <a:cs typeface="Arial Narrow"/>
+              </a:rPr>
+              <a:t> </a:t>
+            </a:r>
+            <a:r>
+              <a:rPr spc="-124" dirty="0">
+                <a:cs typeface="Arial Narrow"/>
+              </a:rPr>
+              <a:t> </a:t>
+            </a:r>
+            <a:r>
+              <a:rPr spc="-15" dirty="0">
+                <a:cs typeface="Arial Narrow"/>
+              </a:rPr>
+              <a:t>comunicars</a:t>
+            </a:r>
+            <a:r>
+              <a:rPr spc="-11" dirty="0">
+                <a:cs typeface="Arial Narrow"/>
+              </a:rPr>
+              <a:t>e</a:t>
+            </a:r>
+            <a:r>
+              <a:rPr dirty="0">
+                <a:cs typeface="Arial Narrow"/>
+              </a:rPr>
+              <a:t> </a:t>
+            </a:r>
+            <a:r>
+              <a:rPr spc="-127" dirty="0">
+                <a:cs typeface="Arial Narrow"/>
+              </a:rPr>
+              <a:t> </a:t>
+            </a:r>
+            <a:r>
+              <a:rPr spc="-15" dirty="0">
+                <a:cs typeface="Arial Narrow"/>
+              </a:rPr>
+              <a:t>entre</a:t>
+            </a:r>
+            <a:r>
+              <a:rPr spc="-11" dirty="0">
+                <a:cs typeface="Arial Narrow"/>
+              </a:rPr>
+              <a:t> si</a:t>
+            </a:r>
+            <a:r>
+              <a:rPr spc="-8" dirty="0">
+                <a:cs typeface="Arial Narrow"/>
+              </a:rPr>
+              <a:t>.</a:t>
+            </a:r>
+            <a:endParaRPr dirty="0">
+              <a:cs typeface="Arial Narrow"/>
+            </a:endParaRPr>
+          </a:p>
+          <a:p>
+            <a:pPr marR="203359">
+              <a:lnSpc>
+                <a:spcPts val="2500"/>
+              </a:lnSpc>
+            </a:pPr>
+            <a:r>
+              <a:rPr b="1" spc="-15" dirty="0">
+                <a:cs typeface="Arial Narrow"/>
+              </a:rPr>
+              <a:t>20</a:t>
+            </a:r>
+            <a:r>
+              <a:rPr b="1" spc="-8" dirty="0">
+                <a:cs typeface="Arial Narrow"/>
+              </a:rPr>
+              <a:t>,</a:t>
+            </a:r>
+            <a:r>
+              <a:rPr b="1" spc="4" dirty="0">
+                <a:cs typeface="Arial Narrow"/>
+              </a:rPr>
+              <a:t> </a:t>
+            </a:r>
+            <a:r>
+              <a:rPr b="1" spc="-15" dirty="0">
+                <a:cs typeface="Arial Narrow"/>
+              </a:rPr>
+              <a:t>2</a:t>
+            </a:r>
+            <a:r>
+              <a:rPr b="1" spc="-11" dirty="0">
+                <a:cs typeface="Arial Narrow"/>
+              </a:rPr>
+              <a:t>1</a:t>
+            </a:r>
+            <a:r>
+              <a:rPr b="1" spc="-8" dirty="0">
+                <a:cs typeface="Arial Narrow"/>
+              </a:rPr>
+              <a:t> </a:t>
+            </a:r>
+            <a:r>
+              <a:rPr lang="es-ES" b="1" spc="-8" dirty="0">
+                <a:cs typeface="Arial Narrow"/>
+              </a:rPr>
+              <a:t>	</a:t>
+            </a:r>
+            <a:r>
+              <a:rPr b="1" spc="-11" dirty="0">
+                <a:cs typeface="Arial Narrow"/>
+              </a:rPr>
+              <a:t>FTP</a:t>
+            </a:r>
+            <a:endParaRPr lang="es-ES" b="1" spc="-11" dirty="0">
+              <a:cs typeface="Arial Narrow"/>
+            </a:endParaRPr>
+          </a:p>
+          <a:p>
+            <a:pPr marR="203359">
+              <a:lnSpc>
+                <a:spcPts val="2500"/>
+              </a:lnSpc>
+            </a:pPr>
+            <a:r>
+              <a:rPr lang="es-ES" b="1" spc="-19" dirty="0">
+                <a:cs typeface="Arial Narrow"/>
+              </a:rPr>
+              <a:t>22 	</a:t>
+            </a:r>
+            <a:r>
+              <a:rPr b="1" spc="-19" dirty="0">
+                <a:cs typeface="Arial Narrow"/>
+              </a:rPr>
+              <a:t>SSH</a:t>
+            </a:r>
+            <a:endParaRPr lang="es-ES" b="1" spc="-19" dirty="0">
+              <a:cs typeface="Arial Narrow"/>
+            </a:endParaRPr>
+          </a:p>
+          <a:p>
+            <a:pPr marR="203359">
+              <a:lnSpc>
+                <a:spcPts val="2500"/>
+              </a:lnSpc>
+            </a:pPr>
+            <a:r>
+              <a:rPr lang="es-ES" b="1" spc="-135" dirty="0">
+                <a:cs typeface="Arial Narrow"/>
+              </a:rPr>
+              <a:t>23  	</a:t>
+            </a:r>
+            <a:r>
+              <a:rPr b="1" spc="-135" dirty="0">
+                <a:cs typeface="Arial Narrow"/>
+              </a:rPr>
+              <a:t>T</a:t>
+            </a:r>
+            <a:r>
+              <a:rPr b="1" spc="-15" dirty="0">
+                <a:cs typeface="Arial Narrow"/>
+              </a:rPr>
+              <a:t>elnet</a:t>
+            </a:r>
+            <a:endParaRPr b="1" dirty="0">
+              <a:cs typeface="Arial Narrow"/>
+            </a:endParaRPr>
+          </a:p>
+          <a:p>
+            <a:pPr marR="458153">
+              <a:lnSpc>
+                <a:spcPts val="2500"/>
+              </a:lnSpc>
+              <a:tabLst>
+                <a:tab pos="364331" algn="l"/>
+              </a:tabLst>
+            </a:pPr>
+            <a:r>
+              <a:rPr b="1" spc="-15" dirty="0">
+                <a:cs typeface="Arial Narrow"/>
+              </a:rPr>
+              <a:t>5</a:t>
+            </a:r>
+            <a:r>
+              <a:rPr b="1" spc="-11" dirty="0">
+                <a:cs typeface="Arial Narrow"/>
+              </a:rPr>
+              <a:t>3</a:t>
+            </a:r>
+            <a:r>
+              <a:rPr b="1" dirty="0">
+                <a:cs typeface="Arial Narrow"/>
+              </a:rPr>
+              <a:t>	</a:t>
+            </a:r>
+            <a:r>
+              <a:rPr lang="es-ES" b="1" dirty="0">
+                <a:cs typeface="Arial Narrow"/>
+              </a:rPr>
+              <a:t>	</a:t>
+            </a:r>
+            <a:r>
+              <a:rPr b="1" spc="-15" dirty="0">
+                <a:cs typeface="Arial Narrow"/>
+              </a:rPr>
+              <a:t>DNS</a:t>
+            </a:r>
+            <a:endParaRPr b="1" dirty="0">
+              <a:cs typeface="Arial Narrow"/>
+            </a:endParaRPr>
+          </a:p>
+          <a:p>
+            <a:pPr marR="372428">
+              <a:lnSpc>
+                <a:spcPts val="2500"/>
+              </a:lnSpc>
+              <a:tabLst>
+                <a:tab pos="364331" algn="l"/>
+              </a:tabLst>
+            </a:pPr>
+            <a:r>
+              <a:rPr b="1" spc="-15" dirty="0">
+                <a:cs typeface="Arial Narrow"/>
+              </a:rPr>
+              <a:t>6</a:t>
+            </a:r>
+            <a:r>
+              <a:rPr b="1" spc="-11" dirty="0">
+                <a:cs typeface="Arial Narrow"/>
+              </a:rPr>
+              <a:t>9</a:t>
+            </a:r>
+            <a:r>
+              <a:rPr b="1" dirty="0">
+                <a:cs typeface="Arial Narrow"/>
+              </a:rPr>
+              <a:t>	</a:t>
+            </a:r>
+            <a:r>
+              <a:rPr lang="es-ES" b="1" dirty="0">
+                <a:cs typeface="Arial Narrow"/>
+              </a:rPr>
+              <a:t>	</a:t>
+            </a:r>
+            <a:r>
+              <a:rPr b="1" spc="-11" dirty="0">
+                <a:cs typeface="Arial Narrow"/>
+              </a:rPr>
+              <a:t>TFTP</a:t>
+            </a:r>
+            <a:endParaRPr lang="es-ES" b="1" spc="-11" dirty="0">
+              <a:cs typeface="Arial Narrow"/>
+            </a:endParaRPr>
+          </a:p>
+          <a:p>
+            <a:pPr marR="372428">
+              <a:lnSpc>
+                <a:spcPts val="2500"/>
+              </a:lnSpc>
+              <a:tabLst>
+                <a:tab pos="364331" algn="l"/>
+              </a:tabLst>
+            </a:pPr>
+            <a:r>
+              <a:rPr lang="es-MX" b="1" spc="-11" dirty="0">
+                <a:cs typeface="Arial Narrow"/>
+              </a:rPr>
+              <a:t>80		HTTP</a:t>
+            </a:r>
+            <a:endParaRPr b="1" dirty="0">
+              <a:cs typeface="Arial Narrow"/>
+            </a:endParaRPr>
+          </a:p>
+          <a:p>
+            <a:pPr marR="228124">
+              <a:lnSpc>
+                <a:spcPts val="2500"/>
+              </a:lnSpc>
+            </a:pPr>
+            <a:r>
+              <a:rPr b="1" spc="-15" dirty="0">
+                <a:cs typeface="Arial Narrow"/>
+              </a:rPr>
+              <a:t>16</a:t>
+            </a:r>
+            <a:r>
+              <a:rPr b="1" spc="-11" dirty="0">
+                <a:cs typeface="Arial Narrow"/>
+              </a:rPr>
+              <a:t>1</a:t>
+            </a:r>
+            <a:r>
+              <a:rPr b="1" dirty="0">
+                <a:cs typeface="Arial Narrow"/>
+              </a:rPr>
+              <a:t> </a:t>
+            </a:r>
+            <a:r>
+              <a:rPr lang="es-ES" b="1" dirty="0">
+                <a:cs typeface="Arial Narrow"/>
+              </a:rPr>
+              <a:t>	</a:t>
+            </a:r>
+            <a:r>
+              <a:rPr b="1" spc="-15" dirty="0">
+                <a:cs typeface="Arial Narrow"/>
+              </a:rPr>
+              <a:t>SNMP</a:t>
+            </a:r>
+            <a:endParaRPr lang="es-ES" b="1" spc="-15" dirty="0">
+              <a:cs typeface="Arial Narrow"/>
+            </a:endParaRPr>
+          </a:p>
+          <a:p>
+            <a:pPr marR="228124">
+              <a:lnSpc>
+                <a:spcPts val="2500"/>
+              </a:lnSpc>
+            </a:pPr>
+            <a:r>
+              <a:rPr lang="es-MX" b="1" spc="-15" dirty="0">
+                <a:cs typeface="Arial Narrow"/>
+              </a:rPr>
+              <a:t>443	HTTPS</a:t>
+            </a:r>
+            <a:endParaRPr b="1" dirty="0">
+              <a:cs typeface="Arial Narrow"/>
+            </a:endParaRPr>
+          </a:p>
+        </p:txBody>
+      </p:sp>
+      <p:sp>
+        <p:nvSpPr>
+          <p:cNvPr id="6" name="object 2">
+            <a:extLst>
+              <a:ext uri="{FF2B5EF4-FFF2-40B4-BE49-F238E27FC236}">
+                <a16:creationId xmlns:a16="http://schemas.microsoft.com/office/drawing/2014/main" id="{AE92A959-F04E-47CB-AB7E-8B70E57DDCE1}"/>
+              </a:ext>
+            </a:extLst>
+          </p:cNvPr>
+          <p:cNvSpPr txBox="1">
+            <a:spLocks/>
+          </p:cNvSpPr>
+          <p:nvPr/>
+        </p:nvSpPr>
+        <p:spPr>
+          <a:xfrm>
+            <a:off x="899592" y="764704"/>
+            <a:ext cx="6624736" cy="492443"/>
+          </a:xfrm>
+          <a:prstGeom prst="rect">
+            <a:avLst/>
+          </a:prstGeom>
+        </p:spPr>
+        <p:txBody>
+          <a:bodyPr vert="horz" wrap="square" lIns="0" tIns="0" rIns="0" bIns="0" rtlCol="0" anchor="ctr">
+            <a:spAutoFit/>
+          </a:bodyPr>
+          <a:lstStyle>
+            <a:lvl1pPr algn="ctr" defTabSz="914400" rtl="0" eaLnBrk="1" latinLnBrk="0" hangingPunct="1">
+              <a:spcBef>
+                <a:spcPct val="0"/>
+              </a:spcBef>
+              <a:buNone/>
+              <a:defRPr sz="2700" b="1" i="0" kern="1200">
+                <a:solidFill>
+                  <a:schemeClr val="bg1"/>
+                </a:solidFill>
+                <a:latin typeface="Arial Narrow"/>
+                <a:ea typeface="+mj-ea"/>
+                <a:cs typeface="Arial Narrow"/>
+              </a:defRPr>
+            </a:lvl1pPr>
+          </a:lstStyle>
+          <a:p>
+            <a:pPr marL="1463516" algn="l"/>
+            <a:r>
+              <a:rPr lang="es-MX" sz="3200" spc="-15" dirty="0">
+                <a:solidFill>
+                  <a:schemeClr val="accent4">
+                    <a:lumMod val="50000"/>
+                  </a:schemeClr>
+                </a:solidFill>
+                <a:latin typeface="Dom Casual"/>
+              </a:rPr>
+              <a:t>Puertos del protocolo</a:t>
+            </a:r>
+            <a:r>
+              <a:rPr lang="es-MX" sz="3200" spc="-4" dirty="0">
+                <a:solidFill>
+                  <a:schemeClr val="accent4">
+                    <a:lumMod val="50000"/>
+                  </a:schemeClr>
+                </a:solidFill>
+                <a:latin typeface="Dom Casual"/>
+              </a:rPr>
+              <a:t> </a:t>
+            </a:r>
+            <a:r>
+              <a:rPr lang="es-MX" sz="3200" spc="-15" dirty="0">
+                <a:solidFill>
+                  <a:schemeClr val="accent4">
+                    <a:lumMod val="50000"/>
+                  </a:schemeClr>
+                </a:solidFill>
+                <a:latin typeface="Dom Casual"/>
+              </a:rPr>
+              <a:t>TCP/IP</a:t>
+            </a:r>
+          </a:p>
+        </p:txBody>
+      </p:sp>
+    </p:spTree>
+    <p:extLst>
+      <p:ext uri="{BB962C8B-B14F-4D97-AF65-F5344CB8AC3E}">
+        <p14:creationId xmlns:p14="http://schemas.microsoft.com/office/powerpoint/2010/main" val="3992843030"/>
+      </p:ext>
+    </p:extLst>
+  </p:cSld>
+  <p:clrMapOvr>
+    <a:masterClrMapping/>
+  </p:clrMapOvr>
 </p:sld>
 </file>
 
@@ -7438,7 +8025,7 @@
         <p:fade/>
       </p:transition>
     </mc:Choice>
-    <mc:Fallback xmlns:c15="http://schemas.microsoft.com/office/drawing/2012/chart" xmlns:c="http://schemas.openxmlformats.org/drawingml/2006/chart" xmlns="">
+    <mc:Fallback xmlns="" xmlns:c="http://schemas.openxmlformats.org/drawingml/2006/chart" xmlns:c15="http://schemas.microsoft.com/office/drawing/2012/chart">
       <p:transition spd="med">
         <p:fade/>
       </p:transition>
@@ -9150,899 +9737,6 @@
         </p:nvSpPr>
         <p:spPr>
           <a:xfrm>
-            <a:off x="1259632" y="1628800"/>
-            <a:ext cx="6696744" cy="3945952"/>
-          </a:xfrm>
-          <a:prstGeom prst="rect">
-            <a:avLst/>
-          </a:prstGeom>
-        </p:spPr>
-        <p:txBody>
-          <a:bodyPr vert="horz" wrap="square" lIns="0" tIns="0" rIns="0" bIns="0" rtlCol="0">
-            <a:spAutoFit/>
-          </a:bodyPr>
-          <a:lstStyle/>
-          <a:p>
-            <a:pPr marL="9525" marR="3810" algn="just">
-              <a:lnSpc>
-                <a:spcPct val="150000"/>
-              </a:lnSpc>
-              <a:spcAft>
-                <a:spcPts val="1200"/>
-              </a:spcAft>
-            </a:pPr>
-            <a:r>
-              <a:rPr spc="-11" dirty="0">
-                <a:cs typeface="Arial Narrow"/>
-              </a:rPr>
-              <a:t>Los  </a:t>
-            </a:r>
-            <a:r>
-              <a:rPr spc="169" dirty="0">
-                <a:cs typeface="Arial Narrow"/>
-              </a:rPr>
-              <a:t> </a:t>
-            </a:r>
-            <a:r>
-              <a:rPr spc="-11" dirty="0">
-                <a:cs typeface="Arial Narrow"/>
-              </a:rPr>
-              <a:t>pr</a:t>
-            </a:r>
-            <a:r>
-              <a:rPr spc="-19" dirty="0">
-                <a:cs typeface="Arial Narrow"/>
-              </a:rPr>
-              <a:t>o</a:t>
-            </a:r>
-            <a:r>
-              <a:rPr spc="-11" dirty="0">
-                <a:cs typeface="Arial Narrow"/>
-              </a:rPr>
-              <a:t>g</a:t>
-            </a:r>
-            <a:r>
-              <a:rPr spc="-19" dirty="0">
-                <a:cs typeface="Arial Narrow"/>
-              </a:rPr>
-              <a:t>rama</a:t>
-            </a:r>
-            <a:r>
-              <a:rPr spc="-11" dirty="0">
-                <a:cs typeface="Arial Narrow"/>
-              </a:rPr>
-              <a:t>s</a:t>
-            </a:r>
-            <a:r>
-              <a:rPr dirty="0">
-                <a:cs typeface="Arial Narrow"/>
-              </a:rPr>
-              <a:t>  </a:t>
-            </a:r>
-            <a:r>
-              <a:rPr spc="169" dirty="0">
-                <a:cs typeface="Arial Narrow"/>
-              </a:rPr>
-              <a:t> </a:t>
-            </a:r>
-            <a:r>
-              <a:rPr spc="-11" dirty="0">
-                <a:cs typeface="Arial Narrow"/>
-              </a:rPr>
-              <a:t>de</a:t>
-            </a:r>
-            <a:r>
-              <a:rPr dirty="0">
-                <a:cs typeface="Arial Narrow"/>
-              </a:rPr>
-              <a:t>  </a:t>
-            </a:r>
-            <a:r>
-              <a:rPr spc="169" dirty="0">
-                <a:cs typeface="Arial Narrow"/>
-              </a:rPr>
-              <a:t> </a:t>
-            </a:r>
-            <a:r>
-              <a:rPr spc="-15" dirty="0">
-                <a:cs typeface="Arial Narrow"/>
-              </a:rPr>
-              <a:t>aplic</a:t>
-            </a:r>
-            <a:r>
-              <a:rPr spc="-19" dirty="0">
-                <a:cs typeface="Arial Narrow"/>
-              </a:rPr>
-              <a:t>a</a:t>
-            </a:r>
-            <a:r>
-              <a:rPr spc="-15" dirty="0">
-                <a:cs typeface="Arial Narrow"/>
-              </a:rPr>
-              <a:t>ció</a:t>
-            </a:r>
-            <a:r>
-              <a:rPr spc="-11" dirty="0">
-                <a:cs typeface="Arial Narrow"/>
-              </a:rPr>
-              <a:t>n</a:t>
-            </a:r>
-            <a:r>
-              <a:rPr dirty="0">
-                <a:cs typeface="Arial Narrow"/>
-              </a:rPr>
-              <a:t>  </a:t>
-            </a:r>
-            <a:r>
-              <a:rPr spc="165" dirty="0">
-                <a:cs typeface="Arial Narrow"/>
-              </a:rPr>
-              <a:t> </a:t>
-            </a:r>
-            <a:r>
-              <a:rPr spc="-11" dirty="0">
-                <a:cs typeface="Arial Narrow"/>
-              </a:rPr>
-              <a:t>que</a:t>
-            </a:r>
-            <a:r>
-              <a:rPr dirty="0">
-                <a:cs typeface="Arial Narrow"/>
-              </a:rPr>
-              <a:t>  </a:t>
-            </a:r>
-            <a:r>
-              <a:rPr spc="161" dirty="0">
-                <a:cs typeface="Arial Narrow"/>
-              </a:rPr>
-              <a:t> </a:t>
-            </a:r>
-            <a:r>
-              <a:rPr spc="-8" dirty="0">
-                <a:cs typeface="Arial Narrow"/>
-              </a:rPr>
-              <a:t>utiliz</a:t>
-            </a:r>
-            <a:r>
-              <a:rPr spc="-15" dirty="0">
-                <a:cs typeface="Arial Narrow"/>
-              </a:rPr>
-              <a:t>a</a:t>
-            </a:r>
-            <a:r>
-              <a:rPr spc="-11" dirty="0">
-                <a:cs typeface="Arial Narrow"/>
-              </a:rPr>
-              <a:t>n</a:t>
-            </a:r>
-            <a:r>
-              <a:rPr dirty="0">
-                <a:cs typeface="Arial Narrow"/>
-              </a:rPr>
-              <a:t>  </a:t>
-            </a:r>
-            <a:r>
-              <a:rPr spc="165" dirty="0">
-                <a:cs typeface="Arial Narrow"/>
-              </a:rPr>
-              <a:t> </a:t>
-            </a:r>
-            <a:r>
-              <a:rPr spc="-11" dirty="0">
-                <a:cs typeface="Arial Narrow"/>
-              </a:rPr>
-              <a:t>los</a:t>
-            </a:r>
-            <a:r>
-              <a:rPr spc="-8" dirty="0">
-                <a:cs typeface="Arial Narrow"/>
-              </a:rPr>
-              <a:t> </a:t>
-            </a:r>
-            <a:r>
-              <a:rPr spc="-15" dirty="0">
-                <a:cs typeface="Arial Narrow"/>
-              </a:rPr>
-              <a:t>se</a:t>
-            </a:r>
-            <a:r>
-              <a:rPr spc="-19" dirty="0">
-                <a:cs typeface="Arial Narrow"/>
-              </a:rPr>
-              <a:t>r</a:t>
-            </a:r>
-            <a:r>
-              <a:rPr spc="-11" dirty="0">
-                <a:cs typeface="Arial Narrow"/>
-              </a:rPr>
-              <a:t>vi</a:t>
-            </a:r>
-            <a:r>
-              <a:rPr spc="-23" dirty="0">
-                <a:cs typeface="Arial Narrow"/>
-              </a:rPr>
-              <a:t>c</a:t>
-            </a:r>
-            <a:r>
-              <a:rPr spc="-11" dirty="0">
-                <a:cs typeface="Arial Narrow"/>
-              </a:rPr>
-              <a:t>ios</a:t>
-            </a:r>
-            <a:r>
-              <a:rPr dirty="0">
-                <a:cs typeface="Arial Narrow"/>
-              </a:rPr>
-              <a:t> </a:t>
-            </a:r>
-            <a:r>
-              <a:rPr spc="229" dirty="0">
-                <a:cs typeface="Arial Narrow"/>
-              </a:rPr>
-              <a:t> </a:t>
-            </a:r>
-            <a:r>
-              <a:rPr spc="-11" dirty="0">
-                <a:cs typeface="Arial Narrow"/>
-              </a:rPr>
-              <a:t>del</a:t>
-            </a:r>
-            <a:r>
-              <a:rPr dirty="0">
-                <a:cs typeface="Arial Narrow"/>
-              </a:rPr>
-              <a:t> </a:t>
-            </a:r>
-            <a:r>
-              <a:rPr spc="217" dirty="0">
-                <a:cs typeface="Arial Narrow"/>
-              </a:rPr>
-              <a:t> </a:t>
-            </a:r>
-            <a:r>
-              <a:rPr spc="-11" dirty="0">
-                <a:cs typeface="Arial Narrow"/>
-              </a:rPr>
-              <a:t>proto</a:t>
-            </a:r>
-            <a:r>
-              <a:rPr spc="-23" dirty="0">
-                <a:cs typeface="Arial Narrow"/>
-              </a:rPr>
-              <a:t>c</a:t>
-            </a:r>
-            <a:r>
-              <a:rPr spc="-11" dirty="0">
-                <a:cs typeface="Arial Narrow"/>
-              </a:rPr>
-              <a:t>olo</a:t>
-            </a:r>
-            <a:r>
-              <a:rPr dirty="0">
-                <a:cs typeface="Arial Narrow"/>
-              </a:rPr>
-              <a:t> </a:t>
-            </a:r>
-            <a:r>
-              <a:rPr spc="221" dirty="0">
-                <a:cs typeface="Arial Narrow"/>
-              </a:rPr>
-              <a:t> </a:t>
-            </a:r>
-            <a:r>
-              <a:rPr spc="-11" dirty="0">
-                <a:solidFill>
-                  <a:srgbClr val="006FC0"/>
-                </a:solidFill>
-                <a:cs typeface="Arial Narrow"/>
-              </a:rPr>
-              <a:t>TCP/IP</a:t>
-            </a:r>
-            <a:r>
-              <a:rPr dirty="0">
-                <a:solidFill>
-                  <a:srgbClr val="006FC0"/>
-                </a:solidFill>
-                <a:cs typeface="Arial Narrow"/>
-              </a:rPr>
-              <a:t> </a:t>
-            </a:r>
-            <a:r>
-              <a:rPr spc="191" dirty="0">
-                <a:solidFill>
-                  <a:srgbClr val="006FC0"/>
-                </a:solidFill>
-                <a:cs typeface="Arial Narrow"/>
-              </a:rPr>
-              <a:t> </a:t>
-            </a:r>
-            <a:r>
-              <a:rPr spc="-11" dirty="0">
-                <a:cs typeface="Arial Narrow"/>
-              </a:rPr>
-              <a:t>necesitan</a:t>
-            </a:r>
-            <a:r>
-              <a:rPr dirty="0">
-                <a:cs typeface="Arial Narrow"/>
-              </a:rPr>
-              <a:t> </a:t>
-            </a:r>
-            <a:r>
-              <a:rPr spc="217" dirty="0">
-                <a:cs typeface="Arial Narrow"/>
-              </a:rPr>
-              <a:t> </a:t>
-            </a:r>
-            <a:r>
-              <a:rPr spc="-11" dirty="0">
-                <a:cs typeface="Arial Narrow"/>
-              </a:rPr>
-              <a:t>de</a:t>
-            </a:r>
-            <a:r>
-              <a:rPr dirty="0">
-                <a:cs typeface="Arial Narrow"/>
-              </a:rPr>
-              <a:t> </a:t>
-            </a:r>
-            <a:r>
-              <a:rPr spc="217" dirty="0">
-                <a:cs typeface="Arial Narrow"/>
-              </a:rPr>
-              <a:t> </a:t>
-            </a:r>
-            <a:r>
-              <a:rPr spc="-11" dirty="0">
-                <a:cs typeface="Arial Narrow"/>
-              </a:rPr>
-              <a:t>una</a:t>
-            </a:r>
-            <a:r>
-              <a:rPr spc="-8" dirty="0">
-                <a:cs typeface="Arial Narrow"/>
-              </a:rPr>
-              <a:t> identi</a:t>
-            </a:r>
-            <a:r>
-              <a:rPr spc="-4" dirty="0">
-                <a:cs typeface="Arial Narrow"/>
-              </a:rPr>
-              <a:t>f</a:t>
-            </a:r>
-            <a:r>
-              <a:rPr spc="-11" dirty="0">
-                <a:cs typeface="Arial Narrow"/>
-              </a:rPr>
-              <a:t>ica</a:t>
-            </a:r>
-            <a:r>
-              <a:rPr spc="-23" dirty="0">
-                <a:cs typeface="Arial Narrow"/>
-              </a:rPr>
-              <a:t>c</a:t>
-            </a:r>
-            <a:r>
-              <a:rPr spc="-11" dirty="0">
-                <a:cs typeface="Arial Narrow"/>
-              </a:rPr>
-              <a:t>ión</a:t>
-            </a:r>
-            <a:r>
-              <a:rPr dirty="0">
-                <a:cs typeface="Arial Narrow"/>
-              </a:rPr>
-              <a:t> </a:t>
-            </a:r>
-            <a:r>
-              <a:rPr spc="-116" dirty="0">
-                <a:cs typeface="Arial Narrow"/>
-              </a:rPr>
-              <a:t> </a:t>
-            </a:r>
-            <a:r>
-              <a:rPr spc="-11" dirty="0">
-                <a:cs typeface="Arial Narrow"/>
-              </a:rPr>
-              <a:t>lógica</a:t>
-            </a:r>
-            <a:r>
-              <a:rPr dirty="0">
-                <a:cs typeface="Arial Narrow"/>
-              </a:rPr>
-              <a:t> </a:t>
-            </a:r>
-            <a:r>
-              <a:rPr spc="-124" dirty="0">
-                <a:cs typeface="Arial Narrow"/>
-              </a:rPr>
-              <a:t> </a:t>
-            </a:r>
-            <a:r>
-              <a:rPr spc="-11" dirty="0">
-                <a:cs typeface="Arial Narrow"/>
-              </a:rPr>
-              <a:t>para</a:t>
-            </a:r>
-            <a:r>
-              <a:rPr dirty="0">
-                <a:cs typeface="Arial Narrow"/>
-              </a:rPr>
-              <a:t> </a:t>
-            </a:r>
-            <a:r>
-              <a:rPr spc="-127" dirty="0">
-                <a:cs typeface="Arial Narrow"/>
-              </a:rPr>
-              <a:t> </a:t>
-            </a:r>
-            <a:r>
-              <a:rPr spc="-11" dirty="0">
-                <a:cs typeface="Arial Narrow"/>
-              </a:rPr>
-              <a:t>po</a:t>
-            </a:r>
-            <a:r>
-              <a:rPr spc="-8" dirty="0">
-                <a:cs typeface="Arial Narrow"/>
-              </a:rPr>
-              <a:t>d</a:t>
-            </a:r>
-            <a:r>
-              <a:rPr spc="-15" dirty="0">
-                <a:cs typeface="Arial Narrow"/>
-              </a:rPr>
-              <a:t>e</a:t>
-            </a:r>
-            <a:r>
-              <a:rPr spc="-8" dirty="0">
-                <a:cs typeface="Arial Narrow"/>
-              </a:rPr>
-              <a:t>r</a:t>
-            </a:r>
-            <a:r>
-              <a:rPr dirty="0">
-                <a:cs typeface="Arial Narrow"/>
-              </a:rPr>
-              <a:t> </a:t>
-            </a:r>
-            <a:r>
-              <a:rPr spc="-124" dirty="0">
-                <a:cs typeface="Arial Narrow"/>
-              </a:rPr>
-              <a:t> </a:t>
-            </a:r>
-            <a:r>
-              <a:rPr spc="-15" dirty="0">
-                <a:cs typeface="Arial Narrow"/>
-              </a:rPr>
-              <a:t>comunicars</a:t>
-            </a:r>
-            <a:r>
-              <a:rPr spc="-11" dirty="0">
-                <a:cs typeface="Arial Narrow"/>
-              </a:rPr>
-              <a:t>e</a:t>
-            </a:r>
-            <a:r>
-              <a:rPr dirty="0">
-                <a:cs typeface="Arial Narrow"/>
-              </a:rPr>
-              <a:t> </a:t>
-            </a:r>
-            <a:r>
-              <a:rPr spc="-127" dirty="0">
-                <a:cs typeface="Arial Narrow"/>
-              </a:rPr>
-              <a:t> </a:t>
-            </a:r>
-            <a:r>
-              <a:rPr spc="-15" dirty="0">
-                <a:cs typeface="Arial Narrow"/>
-              </a:rPr>
-              <a:t>entre</a:t>
-            </a:r>
-            <a:r>
-              <a:rPr spc="-11" dirty="0">
-                <a:cs typeface="Arial Narrow"/>
-              </a:rPr>
-              <a:t> si</a:t>
-            </a:r>
-            <a:r>
-              <a:rPr spc="-8" dirty="0">
-                <a:cs typeface="Arial Narrow"/>
-              </a:rPr>
-              <a:t>.</a:t>
-            </a:r>
-            <a:endParaRPr dirty="0">
-              <a:cs typeface="Arial Narrow"/>
-            </a:endParaRPr>
-          </a:p>
-          <a:p>
-            <a:pPr marR="203359">
-              <a:lnSpc>
-                <a:spcPts val="2500"/>
-              </a:lnSpc>
-            </a:pPr>
-            <a:r>
-              <a:rPr b="1" spc="-15" dirty="0">
-                <a:cs typeface="Arial Narrow"/>
-              </a:rPr>
-              <a:t>20</a:t>
-            </a:r>
-            <a:r>
-              <a:rPr b="1" spc="-8" dirty="0">
-                <a:cs typeface="Arial Narrow"/>
-              </a:rPr>
-              <a:t>,</a:t>
-            </a:r>
-            <a:r>
-              <a:rPr b="1" spc="4" dirty="0">
-                <a:cs typeface="Arial Narrow"/>
-              </a:rPr>
-              <a:t> </a:t>
-            </a:r>
-            <a:r>
-              <a:rPr b="1" spc="-15" dirty="0">
-                <a:cs typeface="Arial Narrow"/>
-              </a:rPr>
-              <a:t>2</a:t>
-            </a:r>
-            <a:r>
-              <a:rPr b="1" spc="-11" dirty="0">
-                <a:cs typeface="Arial Narrow"/>
-              </a:rPr>
-              <a:t>1</a:t>
-            </a:r>
-            <a:r>
-              <a:rPr b="1" spc="-8" dirty="0">
-                <a:cs typeface="Arial Narrow"/>
-              </a:rPr>
-              <a:t> </a:t>
-            </a:r>
-            <a:r>
-              <a:rPr lang="es-ES" b="1" spc="-8" dirty="0">
-                <a:cs typeface="Arial Narrow"/>
-              </a:rPr>
-              <a:t>	</a:t>
-            </a:r>
-            <a:r>
-              <a:rPr b="1" spc="-11" dirty="0">
-                <a:cs typeface="Arial Narrow"/>
-              </a:rPr>
-              <a:t>FTP</a:t>
-            </a:r>
-            <a:endParaRPr lang="es-ES" b="1" spc="-11" dirty="0">
-              <a:cs typeface="Arial Narrow"/>
-            </a:endParaRPr>
-          </a:p>
-          <a:p>
-            <a:pPr marR="203359">
-              <a:lnSpc>
-                <a:spcPts val="2500"/>
-              </a:lnSpc>
-            </a:pPr>
-            <a:r>
-              <a:rPr lang="es-ES" b="1" spc="-19" dirty="0">
-                <a:cs typeface="Arial Narrow"/>
-              </a:rPr>
-              <a:t>22 	</a:t>
-            </a:r>
-            <a:r>
-              <a:rPr b="1" spc="-19" dirty="0">
-                <a:cs typeface="Arial Narrow"/>
-              </a:rPr>
-              <a:t>SSH</a:t>
-            </a:r>
-            <a:endParaRPr lang="es-ES" b="1" spc="-19" dirty="0">
-              <a:cs typeface="Arial Narrow"/>
-            </a:endParaRPr>
-          </a:p>
-          <a:p>
-            <a:pPr marR="203359">
-              <a:lnSpc>
-                <a:spcPts val="2500"/>
-              </a:lnSpc>
-            </a:pPr>
-            <a:r>
-              <a:rPr lang="es-ES" b="1" spc="-135" dirty="0">
-                <a:cs typeface="Arial Narrow"/>
-              </a:rPr>
-              <a:t>23  	</a:t>
-            </a:r>
-            <a:r>
-              <a:rPr b="1" spc="-135" dirty="0">
-                <a:cs typeface="Arial Narrow"/>
-              </a:rPr>
-              <a:t>T</a:t>
-            </a:r>
-            <a:r>
-              <a:rPr b="1" spc="-15" dirty="0">
-                <a:cs typeface="Arial Narrow"/>
-              </a:rPr>
-              <a:t>elnet</a:t>
-            </a:r>
-            <a:endParaRPr b="1" dirty="0">
-              <a:cs typeface="Arial Narrow"/>
-            </a:endParaRPr>
-          </a:p>
-          <a:p>
-            <a:pPr marR="458153">
-              <a:lnSpc>
-                <a:spcPts val="2500"/>
-              </a:lnSpc>
-              <a:tabLst>
-                <a:tab pos="364331" algn="l"/>
-              </a:tabLst>
-            </a:pPr>
-            <a:r>
-              <a:rPr b="1" spc="-15" dirty="0">
-                <a:cs typeface="Arial Narrow"/>
-              </a:rPr>
-              <a:t>5</a:t>
-            </a:r>
-            <a:r>
-              <a:rPr b="1" spc="-11" dirty="0">
-                <a:cs typeface="Arial Narrow"/>
-              </a:rPr>
-              <a:t>3</a:t>
-            </a:r>
-            <a:r>
-              <a:rPr b="1" dirty="0">
-                <a:cs typeface="Arial Narrow"/>
-              </a:rPr>
-              <a:t>	</a:t>
-            </a:r>
-            <a:r>
-              <a:rPr lang="es-ES" b="1" dirty="0">
-                <a:cs typeface="Arial Narrow"/>
-              </a:rPr>
-              <a:t>	</a:t>
-            </a:r>
-            <a:r>
-              <a:rPr b="1" spc="-15" dirty="0">
-                <a:cs typeface="Arial Narrow"/>
-              </a:rPr>
-              <a:t>DNS</a:t>
-            </a:r>
-            <a:endParaRPr b="1" dirty="0">
-              <a:cs typeface="Arial Narrow"/>
-            </a:endParaRPr>
-          </a:p>
-          <a:p>
-            <a:pPr marR="372428">
-              <a:lnSpc>
-                <a:spcPts val="2500"/>
-              </a:lnSpc>
-              <a:tabLst>
-                <a:tab pos="364331" algn="l"/>
-              </a:tabLst>
-            </a:pPr>
-            <a:r>
-              <a:rPr b="1" spc="-15" dirty="0">
-                <a:cs typeface="Arial Narrow"/>
-              </a:rPr>
-              <a:t>6</a:t>
-            </a:r>
-            <a:r>
-              <a:rPr b="1" spc="-11" dirty="0">
-                <a:cs typeface="Arial Narrow"/>
-              </a:rPr>
-              <a:t>9</a:t>
-            </a:r>
-            <a:r>
-              <a:rPr b="1" dirty="0">
-                <a:cs typeface="Arial Narrow"/>
-              </a:rPr>
-              <a:t>	</a:t>
-            </a:r>
-            <a:r>
-              <a:rPr lang="es-ES" b="1" dirty="0">
-                <a:cs typeface="Arial Narrow"/>
-              </a:rPr>
-              <a:t>	</a:t>
-            </a:r>
-            <a:r>
-              <a:rPr b="1" spc="-11" dirty="0">
-                <a:cs typeface="Arial Narrow"/>
-              </a:rPr>
-              <a:t>TFTP</a:t>
-            </a:r>
-            <a:endParaRPr lang="es-ES" b="1" spc="-11" dirty="0">
-              <a:cs typeface="Arial Narrow"/>
-            </a:endParaRPr>
-          </a:p>
-          <a:p>
-            <a:pPr marR="372428">
-              <a:lnSpc>
-                <a:spcPts val="2500"/>
-              </a:lnSpc>
-              <a:tabLst>
-                <a:tab pos="364331" algn="l"/>
-              </a:tabLst>
-            </a:pPr>
-            <a:r>
-              <a:rPr lang="es-MX" b="1" spc="-11" dirty="0">
-                <a:cs typeface="Arial Narrow"/>
-              </a:rPr>
-              <a:t>80		HTTP</a:t>
-            </a:r>
-            <a:endParaRPr b="1" dirty="0">
-              <a:cs typeface="Arial Narrow"/>
-            </a:endParaRPr>
-          </a:p>
-          <a:p>
-            <a:pPr marR="228124">
-              <a:lnSpc>
-                <a:spcPts val="2500"/>
-              </a:lnSpc>
-            </a:pPr>
-            <a:r>
-              <a:rPr b="1" spc="-15" dirty="0">
-                <a:cs typeface="Arial Narrow"/>
-              </a:rPr>
-              <a:t>16</a:t>
-            </a:r>
-            <a:r>
-              <a:rPr b="1" spc="-11" dirty="0">
-                <a:cs typeface="Arial Narrow"/>
-              </a:rPr>
-              <a:t>1</a:t>
-            </a:r>
-            <a:r>
-              <a:rPr b="1" dirty="0">
-                <a:cs typeface="Arial Narrow"/>
-              </a:rPr>
-              <a:t> </a:t>
-            </a:r>
-            <a:r>
-              <a:rPr lang="es-ES" b="1" dirty="0">
-                <a:cs typeface="Arial Narrow"/>
-              </a:rPr>
-              <a:t>	</a:t>
-            </a:r>
-            <a:r>
-              <a:rPr b="1" spc="-15" dirty="0">
-                <a:cs typeface="Arial Narrow"/>
-              </a:rPr>
-              <a:t>SNMP</a:t>
-            </a:r>
-            <a:endParaRPr lang="es-ES" b="1" spc="-15" dirty="0">
-              <a:cs typeface="Arial Narrow"/>
-            </a:endParaRPr>
-          </a:p>
-          <a:p>
-            <a:pPr marR="228124">
-              <a:lnSpc>
-                <a:spcPts val="2500"/>
-              </a:lnSpc>
-            </a:pPr>
-            <a:r>
-              <a:rPr lang="es-MX" b="1" spc="-15" dirty="0">
-                <a:cs typeface="Arial Narrow"/>
-              </a:rPr>
-              <a:t>443	HTTPS</a:t>
-            </a:r>
-            <a:endParaRPr b="1" dirty="0">
-              <a:cs typeface="Arial Narrow"/>
-            </a:endParaRPr>
-          </a:p>
-        </p:txBody>
-      </p:sp>
-      <p:sp>
-        <p:nvSpPr>
-          <p:cNvPr id="6" name="object 2">
-            <a:extLst>
-              <a:ext uri="{FF2B5EF4-FFF2-40B4-BE49-F238E27FC236}">
-                <a16:creationId xmlns:a16="http://schemas.microsoft.com/office/drawing/2014/main" id="{AE92A959-F04E-47CB-AB7E-8B70E57DDCE1}"/>
-              </a:ext>
-            </a:extLst>
-          </p:cNvPr>
-          <p:cNvSpPr txBox="1">
-            <a:spLocks/>
-          </p:cNvSpPr>
-          <p:nvPr/>
-        </p:nvSpPr>
-        <p:spPr>
-          <a:xfrm>
-            <a:off x="899592" y="764704"/>
-            <a:ext cx="6624736" cy="492443"/>
-          </a:xfrm>
-          <a:prstGeom prst="rect">
-            <a:avLst/>
-          </a:prstGeom>
-        </p:spPr>
-        <p:txBody>
-          <a:bodyPr vert="horz" wrap="square" lIns="0" tIns="0" rIns="0" bIns="0" rtlCol="0" anchor="ctr">
-            <a:spAutoFit/>
-          </a:bodyPr>
-          <a:lstStyle>
-            <a:lvl1pPr algn="ctr" defTabSz="914400" rtl="0" eaLnBrk="1" latinLnBrk="0" hangingPunct="1">
-              <a:spcBef>
-                <a:spcPct val="0"/>
-              </a:spcBef>
-              <a:buNone/>
-              <a:defRPr sz="2700" b="1" i="0" kern="1200">
-                <a:solidFill>
-                  <a:schemeClr val="bg1"/>
-                </a:solidFill>
-                <a:latin typeface="Arial Narrow"/>
-                <a:ea typeface="+mj-ea"/>
-                <a:cs typeface="Arial Narrow"/>
-              </a:defRPr>
-            </a:lvl1pPr>
-          </a:lstStyle>
-          <a:p>
-            <a:pPr marL="1463516" algn="l"/>
-            <a:r>
-              <a:rPr lang="es-MX" sz="3200" spc="-15" dirty="0">
-                <a:solidFill>
-                  <a:schemeClr val="accent4">
-                    <a:lumMod val="50000"/>
-                  </a:schemeClr>
-                </a:solidFill>
-                <a:latin typeface="Dom Casual"/>
-              </a:rPr>
-              <a:t>Puertos del protocolo</a:t>
-            </a:r>
-            <a:r>
-              <a:rPr lang="es-MX" sz="3200" spc="-4" dirty="0">
-                <a:solidFill>
-                  <a:schemeClr val="accent4">
-                    <a:lumMod val="50000"/>
-                  </a:schemeClr>
-                </a:solidFill>
-                <a:latin typeface="Dom Casual"/>
-              </a:rPr>
-              <a:t> </a:t>
-            </a:r>
-            <a:r>
-              <a:rPr lang="es-MX" sz="3200" spc="-15" dirty="0">
-                <a:solidFill>
-                  <a:schemeClr val="accent4">
-                    <a:lumMod val="50000"/>
-                  </a:schemeClr>
-                </a:solidFill>
-                <a:latin typeface="Dom Casual"/>
-              </a:rPr>
-              <a:t>TCP/IP</a:t>
-            </a:r>
-          </a:p>
-        </p:txBody>
-      </p:sp>
-    </p:spTree>
-  </p:cSld>
-  <p:clrMapOvr>
-    <a:masterClrMapping/>
-  </p:clrMapOvr>
-</p:sld>
-</file>
-
-<file path=ppt/slides/slide4.xml><?xml version="1.0" encoding="utf-8"?>
-<p:sld xmlns:a="http://schemas.openxmlformats.org/drawingml/2006/main" xmlns:r="http://schemas.openxmlformats.org/officeDocument/2006/relationships" xmlns:p="http://schemas.openxmlformats.org/presentationml/2006/main">
-  <p:cSld>
-    <p:spTree>
-      <p:nvGrpSpPr>
-        <p:cNvPr id="1" name=""/>
-        <p:cNvGrpSpPr/>
-        <p:nvPr/>
-      </p:nvGrpSpPr>
-      <p:grpSpPr>
-        <a:xfrm>
-          <a:off x="0" y="0"/>
-          <a:ext cx="0" cy="0"/>
-          <a:chOff x="0" y="0"/>
-          <a:chExt cx="0" cy="0"/>
-        </a:xfrm>
-      </p:grpSpPr>
-      <p:sp>
-        <p:nvSpPr>
-          <p:cNvPr id="3" name="object 3"/>
-          <p:cNvSpPr txBox="1"/>
-          <p:nvPr/>
-        </p:nvSpPr>
-        <p:spPr>
-          <a:xfrm>
             <a:off x="1336668" y="1772816"/>
             <a:ext cx="6470663" cy="3588803"/>
           </a:xfrm>
@@ -12377,7 +12071,7 @@
 </p:sld>
 </file>
 
-<file path=ppt/slides/slide5.xml><?xml version="1.0" encoding="utf-8"?>
+<file path=ppt/slides/slide4.xml><?xml version="1.0" encoding="utf-8"?>
 <p:sld xmlns:a="http://schemas.openxmlformats.org/drawingml/2006/main" xmlns:r="http://schemas.openxmlformats.org/officeDocument/2006/relationships" xmlns:p="http://schemas.openxmlformats.org/presentationml/2006/main">
   <p:cSld>
     <p:spTree>
@@ -13319,7 +13013,7 @@
 </p:sld>
 </file>
 
-<file path=ppt/slides/slide6.xml><?xml version="1.0" encoding="utf-8"?>
+<file path=ppt/slides/slide5.xml><?xml version="1.0" encoding="utf-8"?>
 <p:sld xmlns:a="http://schemas.openxmlformats.org/drawingml/2006/main" xmlns:r="http://schemas.openxmlformats.org/officeDocument/2006/relationships" xmlns:p="http://schemas.openxmlformats.org/presentationml/2006/main">
   <p:cSld>
     <p:spTree>
@@ -15175,7 +14869,7 @@
 </p:sld>
 </file>
 
-<file path=ppt/slides/slide7.xml><?xml version="1.0" encoding="utf-8"?>
+<file path=ppt/slides/slide6.xml><?xml version="1.0" encoding="utf-8"?>
 <p:sld xmlns:a="http://schemas.openxmlformats.org/drawingml/2006/main" xmlns:r="http://schemas.openxmlformats.org/officeDocument/2006/relationships" xmlns:p="http://schemas.openxmlformats.org/presentationml/2006/main">
   <p:cSld>
     <p:spTree>
@@ -16323,7 +16017,7 @@
 </p:sld>
 </file>
 
-<file path=ppt/slides/slide8.xml><?xml version="1.0" encoding="utf-8"?>
+<file path=ppt/slides/slide7.xml><?xml version="1.0" encoding="utf-8"?>
 <p:sld xmlns:a="http://schemas.openxmlformats.org/drawingml/2006/main" xmlns:r="http://schemas.openxmlformats.org/officeDocument/2006/relationships" xmlns:p="http://schemas.openxmlformats.org/presentationml/2006/main">
   <p:cSld>
     <p:spTree>
@@ -17712,7 +17406,7 @@
 </p:sld>
 </file>
 
-<file path=ppt/slides/slide9.xml><?xml version="1.0" encoding="utf-8"?>
+<file path=ppt/slides/slide8.xml><?xml version="1.0" encoding="utf-8"?>
 <p:sld xmlns:a="http://schemas.openxmlformats.org/drawingml/2006/main" xmlns:r="http://schemas.openxmlformats.org/officeDocument/2006/relationships" xmlns:p="http://schemas.openxmlformats.org/presentationml/2006/main">
   <p:cSld>
     <p:spTree>
@@ -18663,6 +18357,322 @@
         </p:txBody>
       </p:sp>
     </p:spTree>
+  </p:cSld>
+  <p:clrMapOvr>
+    <a:masterClrMapping/>
+  </p:clrMapOvr>
+</p:sld>
+</file>
+
+<file path=ppt/slides/slide9.xml><?xml version="1.0" encoding="utf-8"?>
+<p:sld xmlns:a="http://schemas.openxmlformats.org/drawingml/2006/main" xmlns:r="http://schemas.openxmlformats.org/officeDocument/2006/relationships" xmlns:p="http://schemas.openxmlformats.org/presentationml/2006/main">
+  <p:cSld>
+    <p:spTree>
+      <p:nvGrpSpPr>
+        <p:cNvPr id="1" name=""/>
+        <p:cNvGrpSpPr/>
+        <p:nvPr/>
+      </p:nvGrpSpPr>
+      <p:grpSpPr>
+        <a:xfrm>
+          <a:off x="0" y="0"/>
+          <a:ext cx="0" cy="0"/>
+          <a:chOff x="0" y="0"/>
+          <a:chExt cx="0" cy="0"/>
+        </a:xfrm>
+      </p:grpSpPr>
+      <p:sp>
+        <p:nvSpPr>
+          <p:cNvPr id="3" name="object 3"/>
+          <p:cNvSpPr txBox="1"/>
+          <p:nvPr/>
+        </p:nvSpPr>
+        <p:spPr>
+          <a:xfrm>
+            <a:off x="899592" y="1844824"/>
+            <a:ext cx="7704856" cy="4004301"/>
+          </a:xfrm>
+          <a:prstGeom prst="rect">
+            <a:avLst/>
+          </a:prstGeom>
+        </p:spPr>
+        <p:txBody>
+          <a:bodyPr vert="horz" wrap="square" lIns="0" tIns="0" rIns="0" bIns="0" rtlCol="0">
+            <a:spAutoFit/>
+          </a:bodyPr>
+          <a:lstStyle/>
+          <a:p>
+            <a:pPr marL="123825" marR="3810" algn="just">
+              <a:lnSpc>
+                <a:spcPct val="150000"/>
+              </a:lnSpc>
+            </a:pPr>
+            <a:r>
+              <a:rPr lang="es-ES" spc="-4" dirty="0">
+                <a:cs typeface="Arial Narrow"/>
+              </a:rPr>
+              <a:t>1. Identificar la fuente/origen (</a:t>
+            </a:r>
+            <a:r>
+              <a:rPr lang="es-ES" b="1" spc="-4" dirty="0">
+                <a:cs typeface="Arial Narrow"/>
+              </a:rPr>
+              <a:t>tráfico fuente</a:t>
+            </a:r>
+            <a:r>
+              <a:rPr lang="es-ES" spc="-4" dirty="0">
+                <a:cs typeface="Arial Narrow"/>
+              </a:rPr>
+              <a:t>)</a:t>
+            </a:r>
+          </a:p>
+          <a:p>
+            <a:pPr marL="123825" marR="3810" algn="just">
+              <a:lnSpc>
+                <a:spcPct val="150000"/>
+              </a:lnSpc>
+            </a:pPr>
+            <a:r>
+              <a:rPr lang="es-ES" spc="-4" dirty="0">
+                <a:cs typeface="Arial Narrow"/>
+              </a:rPr>
+              <a:t>2. Trazar el </a:t>
+            </a:r>
+            <a:r>
+              <a:rPr lang="es-ES" b="1" spc="-4" dirty="0">
+                <a:cs typeface="Arial Narrow"/>
+              </a:rPr>
+              <a:t>trayecto</a:t>
+            </a:r>
+            <a:r>
+              <a:rPr lang="es-ES" spc="-4" dirty="0">
+                <a:cs typeface="Arial Narrow"/>
+              </a:rPr>
+              <a:t> del </a:t>
+            </a:r>
+            <a:r>
+              <a:rPr lang="es-ES" b="1" spc="-4" dirty="0">
+                <a:cs typeface="Arial Narrow"/>
+              </a:rPr>
+              <a:t>tráfico NO permitido</a:t>
+            </a:r>
+            <a:r>
+              <a:rPr lang="es-ES" spc="-4" dirty="0">
+                <a:cs typeface="Arial Narrow"/>
+              </a:rPr>
+              <a:t>. </a:t>
+            </a:r>
+          </a:p>
+          <a:p>
+            <a:pPr marL="123825" marR="3810" algn="just">
+              <a:lnSpc>
+                <a:spcPct val="150000"/>
+              </a:lnSpc>
+            </a:pPr>
+            <a:r>
+              <a:rPr lang="es-ES" spc="-4" dirty="0">
+                <a:cs typeface="Arial Narrow"/>
+              </a:rPr>
+              <a:t>3. Trazar el </a:t>
+            </a:r>
+            <a:r>
+              <a:rPr lang="es-ES" b="1" spc="-4" dirty="0">
+                <a:cs typeface="Arial Narrow"/>
+              </a:rPr>
+              <a:t>trayecto </a:t>
+            </a:r>
+            <a:r>
+              <a:rPr lang="es-ES" spc="-4" dirty="0">
+                <a:cs typeface="Arial Narrow"/>
+              </a:rPr>
+              <a:t>del </a:t>
+            </a:r>
+            <a:r>
+              <a:rPr lang="es-ES" b="1" spc="-4" dirty="0">
+                <a:cs typeface="Arial Narrow"/>
+              </a:rPr>
+              <a:t>tráfico permitido</a:t>
+            </a:r>
+            <a:r>
+              <a:rPr lang="es-ES" spc="-4" dirty="0">
+                <a:cs typeface="Arial Narrow"/>
+              </a:rPr>
+              <a:t>. </a:t>
+            </a:r>
+          </a:p>
+          <a:p>
+            <a:pPr marL="123825" marR="3810" algn="just">
+              <a:lnSpc>
+                <a:spcPct val="150000"/>
+              </a:lnSpc>
+            </a:pPr>
+            <a:r>
+              <a:rPr lang="es-ES" spc="-4" dirty="0">
+                <a:cs typeface="Arial Narrow"/>
+              </a:rPr>
+              <a:t>4. Identificar el </a:t>
+            </a:r>
+            <a:r>
+              <a:rPr lang="es-ES" b="1" spc="-4" dirty="0" err="1">
+                <a:cs typeface="Arial Narrow"/>
+              </a:rPr>
+              <a:t>router</a:t>
+            </a:r>
+            <a:r>
+              <a:rPr lang="es-ES" spc="-4" dirty="0">
+                <a:cs typeface="Arial Narrow"/>
+              </a:rPr>
+              <a:t> donde se instalará la lista de control de acceso.</a:t>
+            </a:r>
+          </a:p>
+          <a:p>
+            <a:pPr marL="123825" marR="3810" algn="just">
+              <a:lnSpc>
+                <a:spcPct val="150000"/>
+              </a:lnSpc>
+            </a:pPr>
+            <a:r>
+              <a:rPr lang="es-ES" spc="-4" dirty="0">
+                <a:cs typeface="Arial Narrow"/>
+              </a:rPr>
+              <a:t>5. Identificar la </a:t>
+            </a:r>
+            <a:r>
+              <a:rPr lang="es-ES" b="1" spc="-4" dirty="0">
+                <a:cs typeface="Arial Narrow"/>
+              </a:rPr>
+              <a:t>interfaz</a:t>
+            </a:r>
+            <a:r>
+              <a:rPr lang="es-ES" spc="-4" dirty="0">
+                <a:cs typeface="Arial Narrow"/>
+              </a:rPr>
+              <a:t> donde se va a asociar la lista de control de acceso.</a:t>
+            </a:r>
+          </a:p>
+          <a:p>
+            <a:pPr marL="123825" marR="3810" algn="just">
+              <a:lnSpc>
+                <a:spcPct val="150000"/>
+              </a:lnSpc>
+              <a:spcAft>
+                <a:spcPts val="1200"/>
+              </a:spcAft>
+            </a:pPr>
+            <a:r>
+              <a:rPr lang="es-ES" spc="-4" dirty="0">
+                <a:cs typeface="Arial Narrow"/>
+              </a:rPr>
+              <a:t>6. Escribir la ACL, instalarla y probarla.</a:t>
+            </a:r>
+          </a:p>
+          <a:p>
+            <a:pPr marL="123825" marR="3810" algn="just">
+              <a:lnSpc>
+                <a:spcPct val="150000"/>
+              </a:lnSpc>
+              <a:spcAft>
+                <a:spcPts val="1200"/>
+              </a:spcAft>
+            </a:pPr>
+            <a:r>
+              <a:rPr lang="es-ES" b="1" spc="-4" dirty="0">
+                <a:cs typeface="Arial Narrow"/>
+              </a:rPr>
+              <a:t>NOTA: </a:t>
+            </a:r>
+            <a:r>
+              <a:rPr lang="es-ES" spc="-4" dirty="0">
+                <a:cs typeface="Arial Narrow"/>
+              </a:rPr>
+              <a:t>Realizar pruebas de conectividad antes y después de instalar una ACL</a:t>
+            </a:r>
+          </a:p>
+          <a:p>
+            <a:pPr marL="123825" marR="3810" algn="just">
+              <a:lnSpc>
+                <a:spcPct val="150000"/>
+              </a:lnSpc>
+            </a:pPr>
+            <a:r>
+              <a:rPr lang="es-ES" b="1" spc="-4" dirty="0">
+                <a:solidFill>
+                  <a:schemeClr val="accent6">
+                    <a:lumMod val="75000"/>
+                  </a:schemeClr>
+                </a:solidFill>
+                <a:cs typeface="Arial Narrow"/>
+              </a:rPr>
+              <a:t>REGLA: LAS LISTAS DE CONTROL DE ACCESO ESTÁNDAR SE DEBEN INSTALAR LO MAS CERCA DEL DESTINO.</a:t>
+            </a:r>
+          </a:p>
+        </p:txBody>
+      </p:sp>
+      <p:sp>
+        <p:nvSpPr>
+          <p:cNvPr id="8" name="object 2">
+            <a:extLst>
+              <a:ext uri="{FF2B5EF4-FFF2-40B4-BE49-F238E27FC236}">
+                <a16:creationId xmlns:a16="http://schemas.microsoft.com/office/drawing/2014/main" id="{257E321D-AB3B-4F6E-89EC-D5AD1090E97F}"/>
+              </a:ext>
+            </a:extLst>
+          </p:cNvPr>
+          <p:cNvSpPr txBox="1">
+            <a:spLocks/>
+          </p:cNvSpPr>
+          <p:nvPr/>
+        </p:nvSpPr>
+        <p:spPr>
+          <a:xfrm>
+            <a:off x="647564" y="404664"/>
+            <a:ext cx="7848872" cy="984885"/>
+          </a:xfrm>
+          <a:prstGeom prst="rect">
+            <a:avLst/>
+          </a:prstGeom>
+        </p:spPr>
+        <p:txBody>
+          <a:bodyPr vert="horz" wrap="square" lIns="0" tIns="0" rIns="0" bIns="0" rtlCol="0" anchor="ctr">
+            <a:spAutoFit/>
+          </a:bodyPr>
+          <a:lstStyle>
+            <a:lvl1pPr algn="ctr" defTabSz="914400" rtl="0" eaLnBrk="1" latinLnBrk="0" hangingPunct="1">
+              <a:spcBef>
+                <a:spcPct val="0"/>
+              </a:spcBef>
+              <a:buNone/>
+              <a:defRPr sz="2700" b="1" i="0" kern="1200">
+                <a:solidFill>
+                  <a:schemeClr val="bg1"/>
+                </a:solidFill>
+                <a:latin typeface="Arial Narrow"/>
+                <a:ea typeface="+mj-ea"/>
+                <a:cs typeface="Arial Narrow"/>
+              </a:defRPr>
+            </a:lvl1pPr>
+          </a:lstStyle>
+          <a:p>
+            <a:pPr marL="92075"/>
+            <a:r>
+              <a:rPr lang="es-MX" sz="3200" spc="-15" dirty="0">
+                <a:solidFill>
+                  <a:schemeClr val="accent4">
+                    <a:lumMod val="50000"/>
+                  </a:schemeClr>
+                </a:solidFill>
+                <a:latin typeface="Dom Casual"/>
+              </a:rPr>
+              <a:t>Mejores prácticas para el diseño de listas de control de acceso “Estándar”</a:t>
+            </a:r>
+          </a:p>
+        </p:txBody>
+      </p:sp>
+    </p:spTree>
+    <p:extLst>
+      <p:ext uri="{BB962C8B-B14F-4D97-AF65-F5344CB8AC3E}">
+        <p14:creationId xmlns:p14="http://schemas.microsoft.com/office/powerpoint/2010/main" val="3280680632"/>
+      </p:ext>
+    </p:extLst>
   </p:cSld>
   <p:clrMapOvr>
     <a:masterClrMapping/>
